--- a/Managing requirements in GitHub.pptx
+++ b/Managing requirements in GitHub.pptx
@@ -47,14 +47,15 @@
     <p:sldId id="290" r:id="rId41"/>
     <p:sldId id="297" r:id="rId42"/>
     <p:sldId id="298" r:id="rId43"/>
-    <p:sldId id="299" r:id="rId44"/>
-    <p:sldId id="300" r:id="rId45"/>
-    <p:sldId id="293" r:id="rId46"/>
-    <p:sldId id="294" r:id="rId47"/>
-    <p:sldId id="302" r:id="rId48"/>
-    <p:sldId id="303" r:id="rId49"/>
-    <p:sldId id="304" r:id="rId50"/>
-    <p:sldId id="305" r:id="rId51"/>
+    <p:sldId id="306" r:id="rId44"/>
+    <p:sldId id="299" r:id="rId45"/>
+    <p:sldId id="300" r:id="rId46"/>
+    <p:sldId id="293" r:id="rId47"/>
+    <p:sldId id="294" r:id="rId48"/>
+    <p:sldId id="302" r:id="rId49"/>
+    <p:sldId id="303" r:id="rId50"/>
+    <p:sldId id="304" r:id="rId51"/>
+    <p:sldId id="305" r:id="rId52"/>
   </p:sldIdLst>
   <p:sldSz cx="9144000" cy="6858000" type="screen4x3"/>
   <p:notesSz cx="6858000" cy="9144000"/>
@@ -154,6 +155,21 @@
     </a:lvl9pPr>
   </p:defaultTextStyle>
 </p:presentation>
+</file>
+
+<file path=ppt/commentAuthors.xml><?xml version="1.0" encoding="utf-8"?>
+<p:cmAuthorLst xmlns:a="http://schemas.openxmlformats.org/drawingml/2006/main" xmlns:r="http://schemas.openxmlformats.org/officeDocument/2006/relationships" xmlns:p="http://schemas.openxmlformats.org/presentationml/2006/main">
+  <p:cmAuthor id="0" name="Risto Salo" initials="RS" lastIdx="1" clrIdx="0"/>
+</p:cmAuthorLst>
+</file>
+
+<file path=ppt/comments/comment1.xml><?xml version="1.0" encoding="utf-8"?>
+<p:cmLst xmlns:a="http://schemas.openxmlformats.org/drawingml/2006/main" xmlns:r="http://schemas.openxmlformats.org/officeDocument/2006/relationships" xmlns:p="http://schemas.openxmlformats.org/presentationml/2006/main">
+  <p:cm authorId="0" dt="2013-11-21T10:49:20.589" idx="1">
+    <p:pos x="5344" y="1853"/>
+    <p:text>Should be rephrased</p:text>
+  </p:cm>
+</p:cmLst>
 </file>
 
 <file path=ppt/diagrams/colors1.xml><?xml version="1.0" encoding="utf-8"?>
@@ -1548,29 +1564,29 @@
     </dgm:pt>
   </dgm:ptLst>
   <dgm:cxnLst>
+    <dgm:cxn modelId="{30661CBB-A0C6-4BE2-A716-75084B1675E4}" srcId="{43C3DEA2-1BF6-472D-8649-132AC9BA90D9}" destId="{69FFCC8B-6A88-446F-B20C-1C6581450BA7}" srcOrd="0" destOrd="0" parTransId="{2C656249-89F7-43FD-8B1C-20C9750832DD}" sibTransId="{496657EF-F54A-42B9-8E41-321BC2CD2217}"/>
+    <dgm:cxn modelId="{9E1FC187-0887-49F3-9CAE-EC98BAF66407}" type="presOf" srcId="{58C0894C-AC1B-4ED0-8CF6-371B9FABA048}" destId="{0B230DB5-48CB-474E-B034-3CAC4B457FAF}" srcOrd="0" destOrd="0" presId="urn:microsoft.com/office/officeart/2005/8/layout/hierarchy1"/>
+    <dgm:cxn modelId="{5692F4DE-4EA4-48D1-8F7F-D584FCDCC9D7}" type="presOf" srcId="{D7FD4793-E6A2-4D9C-8FA8-86118D99876D}" destId="{DCA8F3E1-CA5C-47AF-87CC-3D050C1ED6F9}" srcOrd="0" destOrd="0" presId="urn:microsoft.com/office/officeart/2005/8/layout/hierarchy1"/>
+    <dgm:cxn modelId="{CECFCF44-6CBA-45DB-A4BA-483936873846}" srcId="{D7FD4793-E6A2-4D9C-8FA8-86118D99876D}" destId="{1935632D-7CF0-4B7A-908D-7931428A6032}" srcOrd="1" destOrd="0" parTransId="{AD8D0B5B-2AE2-41D2-9A14-13479DCCBBB5}" sibTransId="{6A3966D6-8351-4259-98FE-227E1FA47164}"/>
+    <dgm:cxn modelId="{2B074358-FA81-4750-BE59-F6235DAFBE4C}" type="presOf" srcId="{43C3DEA2-1BF6-472D-8649-132AC9BA90D9}" destId="{2FB2FB0D-A494-4B41-8C72-9081809662D2}" srcOrd="0" destOrd="0" presId="urn:microsoft.com/office/officeart/2005/8/layout/hierarchy1"/>
     <dgm:cxn modelId="{95B1721B-3290-48CD-9F61-266BDA36CCBC}" srcId="{69FFCC8B-6A88-446F-B20C-1C6581450BA7}" destId="{55BA5546-CAC7-420F-8D7F-C180643ED4D0}" srcOrd="0" destOrd="0" parTransId="{B6AB90C1-9099-4810-8BD9-D73776866625}" sibTransId="{428E28DC-C4F7-49B3-85B5-AA68AA4756F2}"/>
+    <dgm:cxn modelId="{3C62590B-92D6-45DA-A7D0-D40D8F39978A}" type="presOf" srcId="{1935632D-7CF0-4B7A-908D-7931428A6032}" destId="{DE4CF686-882B-4052-B75A-84DCD8EF6340}" srcOrd="0" destOrd="0" presId="urn:microsoft.com/office/officeart/2005/8/layout/hierarchy1"/>
+    <dgm:cxn modelId="{7CBCE51C-302F-436B-AB4D-9060D3A52074}" type="presOf" srcId="{B9D0CAF7-9981-4EDB-AA63-3D554CF8AEEC}" destId="{ADD4005A-1762-4253-8F40-38ACE091CB86}" srcOrd="0" destOrd="0" presId="urn:microsoft.com/office/officeart/2005/8/layout/hierarchy1"/>
+    <dgm:cxn modelId="{4C97BEF9-8B97-45F9-ACAE-9CEBD761A774}" type="presOf" srcId="{8ABADED7-8383-45A8-A698-B34BDBCE18DF}" destId="{8915CCB8-61BC-492E-A75D-9B831D451D5C}" srcOrd="0" destOrd="0" presId="urn:microsoft.com/office/officeart/2005/8/layout/hierarchy1"/>
+    <dgm:cxn modelId="{444F6465-179C-432C-8F74-41160B38DAC2}" srcId="{1935632D-7CF0-4B7A-908D-7931428A6032}" destId="{58C0894C-AC1B-4ED0-8CF6-371B9FABA048}" srcOrd="0" destOrd="0" parTransId="{E5533B47-1942-469B-BBA7-03E706313E00}" sibTransId="{AFF1825F-B371-4DBA-9CDB-DFBF2A039DE0}"/>
     <dgm:cxn modelId="{590725DC-5A60-43CD-BE1B-BC266D696897}" type="presOf" srcId="{B6AB90C1-9099-4810-8BD9-D73776866625}" destId="{90528169-D90E-4C8C-9315-2FB2EB320491}" srcOrd="0" destOrd="0" presId="urn:microsoft.com/office/officeart/2005/8/layout/hierarchy1"/>
+    <dgm:cxn modelId="{4CE7394D-4CE9-427D-8A11-1AF8B68D8D3C}" type="presOf" srcId="{55BA5546-CAC7-420F-8D7F-C180643ED4D0}" destId="{917935E0-8942-4FC7-B037-12E4F02A8499}" srcOrd="0" destOrd="0" presId="urn:microsoft.com/office/officeart/2005/8/layout/hierarchy1"/>
+    <dgm:cxn modelId="{189DA54C-7090-4741-9E06-3FE7E152A559}" type="presOf" srcId="{69FFCC8B-6A88-446F-B20C-1C6581450BA7}" destId="{C1898D5C-7A9F-4E70-9A8A-1B713BD476D7}" srcOrd="0" destOrd="0" presId="urn:microsoft.com/office/officeart/2005/8/layout/hierarchy1"/>
+    <dgm:cxn modelId="{18EC21E4-E1F7-4F72-B4F1-A02A2E0FBCBD}" srcId="{D7FD4793-E6A2-4D9C-8FA8-86118D99876D}" destId="{8ABADED7-8383-45A8-A698-B34BDBCE18DF}" srcOrd="0" destOrd="0" parTransId="{EF9EC443-6FAC-412E-B037-F0009A02186A}" sibTransId="{25173C66-828E-4FCA-8D7D-67F60EB94DB0}"/>
+    <dgm:cxn modelId="{1BB5123B-5927-4AE2-980D-E77E6421EB72}" type="presOf" srcId="{64E6C1E9-6FCA-4B71-80D9-B5B99B3F92A4}" destId="{6917F44B-3172-4FE7-8F54-609920AAA13E}" srcOrd="0" destOrd="0" presId="urn:microsoft.com/office/officeart/2005/8/layout/hierarchy1"/>
+    <dgm:cxn modelId="{7183F6DF-0D0F-4235-B960-979F12B29699}" type="presOf" srcId="{9928818A-2B37-4FCB-AF9C-BCD35CD61996}" destId="{9B748F30-ACFA-4D2F-9769-1D15DC9B42E6}" srcOrd="0" destOrd="0" presId="urn:microsoft.com/office/officeart/2005/8/layout/hierarchy1"/>
+    <dgm:cxn modelId="{187CCA27-DFF3-4AB2-897E-9E56B835F2C4}" type="presOf" srcId="{62F3F319-C6D8-4818-A784-1CEE379988EA}" destId="{CEF1B9D0-8DE9-4F09-8598-92D4898634C1}" srcOrd="0" destOrd="0" presId="urn:microsoft.com/office/officeart/2005/8/layout/hierarchy1"/>
+    <dgm:cxn modelId="{90F4DBDB-CDCC-4CC4-B171-F9BF7170C781}" srcId="{8ABADED7-8383-45A8-A698-B34BDBCE18DF}" destId="{43C3DEA2-1BF6-472D-8649-132AC9BA90D9}" srcOrd="0" destOrd="0" parTransId="{62F3F319-C6D8-4818-A784-1CEE379988EA}" sibTransId="{0A51BAB7-8D91-44B8-8FC9-B9C6EE77D728}"/>
+    <dgm:cxn modelId="{2A6574CE-08EE-4628-A67A-5E55068597E7}" type="presOf" srcId="{2C656249-89F7-43FD-8B1C-20C9750832DD}" destId="{B9E3082E-AAB8-4055-9404-68F2B1B991C5}" srcOrd="0" destOrd="0" presId="urn:microsoft.com/office/officeart/2005/8/layout/hierarchy1"/>
     <dgm:cxn modelId="{AE10FCA9-D0EF-45CC-ACBD-E8538D371565}" type="presOf" srcId="{F003194D-D19F-420C-8C63-978073D7D601}" destId="{A442CC77-AB3D-4827-B7B4-3FBD279B7EB4}" srcOrd="0" destOrd="0" presId="urn:microsoft.com/office/officeart/2005/8/layout/hierarchy1"/>
-    <dgm:cxn modelId="{187CCA27-DFF3-4AB2-897E-9E56B835F2C4}" type="presOf" srcId="{62F3F319-C6D8-4818-A784-1CEE379988EA}" destId="{CEF1B9D0-8DE9-4F09-8598-92D4898634C1}" srcOrd="0" destOrd="0" presId="urn:microsoft.com/office/officeart/2005/8/layout/hierarchy1"/>
-    <dgm:cxn modelId="{1BB5123B-5927-4AE2-980D-E77E6421EB72}" type="presOf" srcId="{64E6C1E9-6FCA-4B71-80D9-B5B99B3F92A4}" destId="{6917F44B-3172-4FE7-8F54-609920AAA13E}" srcOrd="0" destOrd="0" presId="urn:microsoft.com/office/officeart/2005/8/layout/hierarchy1"/>
-    <dgm:cxn modelId="{5692F4DE-4EA4-48D1-8F7F-D584FCDCC9D7}" type="presOf" srcId="{D7FD4793-E6A2-4D9C-8FA8-86118D99876D}" destId="{DCA8F3E1-CA5C-47AF-87CC-3D050C1ED6F9}" srcOrd="0" destOrd="0" presId="urn:microsoft.com/office/officeart/2005/8/layout/hierarchy1"/>
+    <dgm:cxn modelId="{F9422EF7-1468-4AF6-B03F-BC6246DB3423}" type="presOf" srcId="{E5533B47-1942-469B-BBA7-03E706313E00}" destId="{586BF831-C84B-4975-8487-EB8260E2F7B7}" srcOrd="0" destOrd="0" presId="urn:microsoft.com/office/officeart/2005/8/layout/hierarchy1"/>
+    <dgm:cxn modelId="{8E8DA86C-2006-42A5-89B3-F340FC40036C}" srcId="{69FFCC8B-6A88-446F-B20C-1C6581450BA7}" destId="{64E6C1E9-6FCA-4B71-80D9-B5B99B3F92A4}" srcOrd="1" destOrd="0" parTransId="{F003194D-D19F-420C-8C63-978073D7D601}" sibTransId="{07C77514-2B02-4BAC-8741-404ACC946918}"/>
     <dgm:cxn modelId="{9537D08B-CB4A-4F6B-B0C7-9B10B67FE164}" srcId="{43C3DEA2-1BF6-472D-8649-132AC9BA90D9}" destId="{B9D0CAF7-9981-4EDB-AA63-3D554CF8AEEC}" srcOrd="1" destOrd="0" parTransId="{9928818A-2B37-4FCB-AF9C-BCD35CD61996}" sibTransId="{E307ABC8-353F-4EF4-AB68-FB16FA3E8844}"/>
-    <dgm:cxn modelId="{444F6465-179C-432C-8F74-41160B38DAC2}" srcId="{1935632D-7CF0-4B7A-908D-7931428A6032}" destId="{58C0894C-AC1B-4ED0-8CF6-371B9FABA048}" srcOrd="0" destOrd="0" parTransId="{E5533B47-1942-469B-BBA7-03E706313E00}" sibTransId="{AFF1825F-B371-4DBA-9CDB-DFBF2A039DE0}"/>
-    <dgm:cxn modelId="{189DA54C-7090-4741-9E06-3FE7E152A559}" type="presOf" srcId="{69FFCC8B-6A88-446F-B20C-1C6581450BA7}" destId="{C1898D5C-7A9F-4E70-9A8A-1B713BD476D7}" srcOrd="0" destOrd="0" presId="urn:microsoft.com/office/officeart/2005/8/layout/hierarchy1"/>
-    <dgm:cxn modelId="{2A6574CE-08EE-4628-A67A-5E55068597E7}" type="presOf" srcId="{2C656249-89F7-43FD-8B1C-20C9750832DD}" destId="{B9E3082E-AAB8-4055-9404-68F2B1B991C5}" srcOrd="0" destOrd="0" presId="urn:microsoft.com/office/officeart/2005/8/layout/hierarchy1"/>
-    <dgm:cxn modelId="{CECFCF44-6CBA-45DB-A4BA-483936873846}" srcId="{D7FD4793-E6A2-4D9C-8FA8-86118D99876D}" destId="{1935632D-7CF0-4B7A-908D-7931428A6032}" srcOrd="1" destOrd="0" parTransId="{AD8D0B5B-2AE2-41D2-9A14-13479DCCBBB5}" sibTransId="{6A3966D6-8351-4259-98FE-227E1FA47164}"/>
-    <dgm:cxn modelId="{30661CBB-A0C6-4BE2-A716-75084B1675E4}" srcId="{43C3DEA2-1BF6-472D-8649-132AC9BA90D9}" destId="{69FFCC8B-6A88-446F-B20C-1C6581450BA7}" srcOrd="0" destOrd="0" parTransId="{2C656249-89F7-43FD-8B1C-20C9750832DD}" sibTransId="{496657EF-F54A-42B9-8E41-321BC2CD2217}"/>
-    <dgm:cxn modelId="{90F4DBDB-CDCC-4CC4-B171-F9BF7170C781}" srcId="{8ABADED7-8383-45A8-A698-B34BDBCE18DF}" destId="{43C3DEA2-1BF6-472D-8649-132AC9BA90D9}" srcOrd="0" destOrd="0" parTransId="{62F3F319-C6D8-4818-A784-1CEE379988EA}" sibTransId="{0A51BAB7-8D91-44B8-8FC9-B9C6EE77D728}"/>
-    <dgm:cxn modelId="{3C62590B-92D6-45DA-A7D0-D40D8F39978A}" type="presOf" srcId="{1935632D-7CF0-4B7A-908D-7931428A6032}" destId="{DE4CF686-882B-4052-B75A-84DCD8EF6340}" srcOrd="0" destOrd="0" presId="urn:microsoft.com/office/officeart/2005/8/layout/hierarchy1"/>
-    <dgm:cxn modelId="{9E1FC187-0887-49F3-9CAE-EC98BAF66407}" type="presOf" srcId="{58C0894C-AC1B-4ED0-8CF6-371B9FABA048}" destId="{0B230DB5-48CB-474E-B034-3CAC4B457FAF}" srcOrd="0" destOrd="0" presId="urn:microsoft.com/office/officeart/2005/8/layout/hierarchy1"/>
-    <dgm:cxn modelId="{4C97BEF9-8B97-45F9-ACAE-9CEBD761A774}" type="presOf" srcId="{8ABADED7-8383-45A8-A698-B34BDBCE18DF}" destId="{8915CCB8-61BC-492E-A75D-9B831D451D5C}" srcOrd="0" destOrd="0" presId="urn:microsoft.com/office/officeart/2005/8/layout/hierarchy1"/>
-    <dgm:cxn modelId="{F9422EF7-1468-4AF6-B03F-BC6246DB3423}" type="presOf" srcId="{E5533B47-1942-469B-BBA7-03E706313E00}" destId="{586BF831-C84B-4975-8487-EB8260E2F7B7}" srcOrd="0" destOrd="0" presId="urn:microsoft.com/office/officeart/2005/8/layout/hierarchy1"/>
-    <dgm:cxn modelId="{7183F6DF-0D0F-4235-B960-979F12B29699}" type="presOf" srcId="{9928818A-2B37-4FCB-AF9C-BCD35CD61996}" destId="{9B748F30-ACFA-4D2F-9769-1D15DC9B42E6}" srcOrd="0" destOrd="0" presId="urn:microsoft.com/office/officeart/2005/8/layout/hierarchy1"/>
-    <dgm:cxn modelId="{2B074358-FA81-4750-BE59-F6235DAFBE4C}" type="presOf" srcId="{43C3DEA2-1BF6-472D-8649-132AC9BA90D9}" destId="{2FB2FB0D-A494-4B41-8C72-9081809662D2}" srcOrd="0" destOrd="0" presId="urn:microsoft.com/office/officeart/2005/8/layout/hierarchy1"/>
-    <dgm:cxn modelId="{7CBCE51C-302F-436B-AB4D-9060D3A52074}" type="presOf" srcId="{B9D0CAF7-9981-4EDB-AA63-3D554CF8AEEC}" destId="{ADD4005A-1762-4253-8F40-38ACE091CB86}" srcOrd="0" destOrd="0" presId="urn:microsoft.com/office/officeart/2005/8/layout/hierarchy1"/>
-    <dgm:cxn modelId="{8E8DA86C-2006-42A5-89B3-F340FC40036C}" srcId="{69FFCC8B-6A88-446F-B20C-1C6581450BA7}" destId="{64E6C1E9-6FCA-4B71-80D9-B5B99B3F92A4}" srcOrd="1" destOrd="0" parTransId="{F003194D-D19F-420C-8C63-978073D7D601}" sibTransId="{07C77514-2B02-4BAC-8741-404ACC946918}"/>
-    <dgm:cxn modelId="{4CE7394D-4CE9-427D-8A11-1AF8B68D8D3C}" type="presOf" srcId="{55BA5546-CAC7-420F-8D7F-C180643ED4D0}" destId="{917935E0-8942-4FC7-B037-12E4F02A8499}" srcOrd="0" destOrd="0" presId="urn:microsoft.com/office/officeart/2005/8/layout/hierarchy1"/>
-    <dgm:cxn modelId="{18EC21E4-E1F7-4F72-B4F1-A02A2E0FBCBD}" srcId="{D7FD4793-E6A2-4D9C-8FA8-86118D99876D}" destId="{8ABADED7-8383-45A8-A698-B34BDBCE18DF}" srcOrd="0" destOrd="0" parTransId="{EF9EC443-6FAC-412E-B037-F0009A02186A}" sibTransId="{25173C66-828E-4FCA-8D7D-67F60EB94DB0}"/>
     <dgm:cxn modelId="{F7EBE7BD-75F7-4518-AD85-3CC545B99F78}" type="presParOf" srcId="{DCA8F3E1-CA5C-47AF-87CC-3D050C1ED6F9}" destId="{EA8B92A7-52A4-4A08-BEEE-3CCEF5A4D157}" srcOrd="0" destOrd="0" presId="urn:microsoft.com/office/officeart/2005/8/layout/hierarchy1"/>
     <dgm:cxn modelId="{F91FC73D-F656-410B-A0B9-706C5A569D41}" type="presParOf" srcId="{EA8B92A7-52A4-4A08-BEEE-3CCEF5A4D157}" destId="{8B7A1EB5-CD56-4438-80A1-CC2832CED657}" srcOrd="0" destOrd="0" presId="urn:microsoft.com/office/officeart/2005/8/layout/hierarchy1"/>
     <dgm:cxn modelId="{0CDB66EF-2D79-4C61-9649-E4745069A97F}" type="presParOf" srcId="{8B7A1EB5-CD56-4438-80A1-CC2832CED657}" destId="{0E997C18-F5F9-46BE-93D4-525AB36EAE8A}" srcOrd="0" destOrd="0" presId="urn:microsoft.com/office/officeart/2005/8/layout/hierarchy1"/>
@@ -4804,7 +4820,7 @@
           <a:p>
             <a:fld id="{ADF0FE8D-29FE-47E2-BBB2-E7BA162F2437}" type="datetimeFigureOut">
               <a:rPr lang="fi-FI" smtClean="0"/>
-              <a:t>15.10.2013</a:t>
+              <a:t>21.11.2013</a:t>
             </a:fld>
             <a:endParaRPr lang="fi-FI" dirty="0"/>
           </a:p>
@@ -4974,7 +4990,7 @@
           <a:p>
             <a:fld id="{ADF0FE8D-29FE-47E2-BBB2-E7BA162F2437}" type="datetimeFigureOut">
               <a:rPr lang="fi-FI" smtClean="0"/>
-              <a:t>15.10.2013</a:t>
+              <a:t>21.11.2013</a:t>
             </a:fld>
             <a:endParaRPr lang="fi-FI" dirty="0"/>
           </a:p>
@@ -5154,7 +5170,7 @@
           <a:p>
             <a:fld id="{ADF0FE8D-29FE-47E2-BBB2-E7BA162F2437}" type="datetimeFigureOut">
               <a:rPr lang="fi-FI" smtClean="0"/>
-              <a:t>15.10.2013</a:t>
+              <a:t>21.11.2013</a:t>
             </a:fld>
             <a:endParaRPr lang="fi-FI" dirty="0"/>
           </a:p>
@@ -5324,7 +5340,7 @@
           <a:p>
             <a:fld id="{ADF0FE8D-29FE-47E2-BBB2-E7BA162F2437}" type="datetimeFigureOut">
               <a:rPr lang="fi-FI" smtClean="0"/>
-              <a:t>15.10.2013</a:t>
+              <a:t>21.11.2013</a:t>
             </a:fld>
             <a:endParaRPr lang="fi-FI" dirty="0"/>
           </a:p>
@@ -5570,7 +5586,7 @@
           <a:p>
             <a:fld id="{ADF0FE8D-29FE-47E2-BBB2-E7BA162F2437}" type="datetimeFigureOut">
               <a:rPr lang="fi-FI" smtClean="0"/>
-              <a:t>15.10.2013</a:t>
+              <a:t>21.11.2013</a:t>
             </a:fld>
             <a:endParaRPr lang="fi-FI" dirty="0"/>
           </a:p>
@@ -5858,7 +5874,7 @@
           <a:p>
             <a:fld id="{ADF0FE8D-29FE-47E2-BBB2-E7BA162F2437}" type="datetimeFigureOut">
               <a:rPr lang="fi-FI" smtClean="0"/>
-              <a:t>15.10.2013</a:t>
+              <a:t>21.11.2013</a:t>
             </a:fld>
             <a:endParaRPr lang="fi-FI" dirty="0"/>
           </a:p>
@@ -6280,7 +6296,7 @@
           <a:p>
             <a:fld id="{ADF0FE8D-29FE-47E2-BBB2-E7BA162F2437}" type="datetimeFigureOut">
               <a:rPr lang="fi-FI" smtClean="0"/>
-              <a:t>15.10.2013</a:t>
+              <a:t>21.11.2013</a:t>
             </a:fld>
             <a:endParaRPr lang="fi-FI" dirty="0"/>
           </a:p>
@@ -6398,7 +6414,7 @@
           <a:p>
             <a:fld id="{ADF0FE8D-29FE-47E2-BBB2-E7BA162F2437}" type="datetimeFigureOut">
               <a:rPr lang="fi-FI" smtClean="0"/>
-              <a:t>15.10.2013</a:t>
+              <a:t>21.11.2013</a:t>
             </a:fld>
             <a:endParaRPr lang="fi-FI" dirty="0"/>
           </a:p>
@@ -6493,7 +6509,7 @@
           <a:p>
             <a:fld id="{ADF0FE8D-29FE-47E2-BBB2-E7BA162F2437}" type="datetimeFigureOut">
               <a:rPr lang="fi-FI" smtClean="0"/>
-              <a:t>15.10.2013</a:t>
+              <a:t>21.11.2013</a:t>
             </a:fld>
             <a:endParaRPr lang="fi-FI" dirty="0"/>
           </a:p>
@@ -6770,7 +6786,7 @@
           <a:p>
             <a:fld id="{ADF0FE8D-29FE-47E2-BBB2-E7BA162F2437}" type="datetimeFigureOut">
               <a:rPr lang="fi-FI" smtClean="0"/>
-              <a:t>15.10.2013</a:t>
+              <a:t>21.11.2013</a:t>
             </a:fld>
             <a:endParaRPr lang="fi-FI" dirty="0"/>
           </a:p>
@@ -7023,7 +7039,7 @@
           <a:p>
             <a:fld id="{ADF0FE8D-29FE-47E2-BBB2-E7BA162F2437}" type="datetimeFigureOut">
               <a:rPr lang="fi-FI" smtClean="0"/>
-              <a:t>15.10.2013</a:t>
+              <a:t>21.11.2013</a:t>
             </a:fld>
             <a:endParaRPr lang="fi-FI" dirty="0"/>
           </a:p>
@@ -7236,7 +7252,7 @@
           <a:p>
             <a:fld id="{ADF0FE8D-29FE-47E2-BBB2-E7BA162F2437}" type="datetimeFigureOut">
               <a:rPr lang="fi-FI" smtClean="0"/>
-              <a:t>15.10.2013</a:t>
+              <a:t>21.11.2013</a:t>
             </a:fld>
             <a:endParaRPr lang="fi-FI" dirty="0"/>
           </a:p>
@@ -8160,7 +8176,15 @@
           <a:p>
             <a:r>
               <a:rPr lang="en-US" dirty="0" smtClean="0"/>
-              <a:t>Very vague concept, can basically be anything from requirement to tasks to sort of memos</a:t>
+              <a:t>Very vague concept, can basically be anything from </a:t>
+            </a:r>
+            <a:r>
+              <a:rPr lang="en-US" dirty="0" smtClean="0"/>
+              <a:t>requirements </a:t>
+            </a:r>
+            <a:r>
+              <a:rPr lang="en-US" dirty="0" smtClean="0"/>
+              <a:t>to tasks to sort of memos</a:t>
             </a:r>
           </a:p>
           <a:p>
@@ -8258,7 +8282,9 @@
         </p:nvSpPr>
         <p:spPr/>
         <p:txBody>
-          <a:bodyPr/>
+          <a:bodyPr>
+            <a:normAutofit fontScale="92500" lnSpcReduction="20000"/>
+          </a:bodyPr>
           <a:lstStyle/>
           <a:p>
             <a:r>
@@ -8269,13 +8295,44 @@
           <a:p>
             <a:r>
               <a:rPr lang="en-US" dirty="0" smtClean="0"/>
-              <a:t>This guideline doesn’t explicitly tell what labels should be used, rather it states the different categories that can be used (depending on the project)</a:t>
-            </a:r>
-          </a:p>
-          <a:p>
-            <a:r>
-              <a:rPr lang="en-US" dirty="0" smtClean="0"/>
-              <a:t>As said Issues tool is very plain which leads to a little more manual work (as of now, there really is no way of going around this)</a:t>
+              <a:t>This guideline doesn’t explicitly tell what labels should be used, rather it states the different categories that </a:t>
+            </a:r>
+            <a:r>
+              <a:rPr lang="en-US" b="1" dirty="0" smtClean="0"/>
+              <a:t>can</a:t>
+            </a:r>
+            <a:r>
+              <a:rPr lang="en-US" dirty="0" smtClean="0"/>
+              <a:t> be used (depending on the project</a:t>
+            </a:r>
+            <a:r>
+              <a:rPr lang="en-US" dirty="0" smtClean="0"/>
+              <a:t>)</a:t>
+            </a:r>
+          </a:p>
+          <a:p>
+            <a:pPr lvl="1"/>
+            <a:r>
+              <a:rPr lang="en-US" dirty="0" smtClean="0"/>
+              <a:t>Important thing here is to choose the categories based on the need of the project</a:t>
+            </a:r>
+            <a:endParaRPr lang="en-US" dirty="0" smtClean="0"/>
+          </a:p>
+          <a:p>
+            <a:r>
+              <a:rPr lang="en-US" dirty="0" smtClean="0"/>
+              <a:t>As said Issues tool is very plain which leads to a little more manual work (as of now, there really is no way of going around this</a:t>
+            </a:r>
+            <a:r>
+              <a:rPr lang="en-US" dirty="0" smtClean="0"/>
+              <a:t>)</a:t>
+            </a:r>
+          </a:p>
+          <a:p>
+            <a:pPr lvl="1"/>
+            <a:r>
+              <a:rPr lang="en-US" dirty="0" smtClean="0"/>
+              <a:t>This will be visible e.g. with labels</a:t>
             </a:r>
             <a:endParaRPr lang="en-US" dirty="0"/>
           </a:p>
@@ -8367,11 +8424,7 @@
             <a:pPr lvl="1"/>
             <a:r>
               <a:rPr lang="en-US" dirty="0" smtClean="0"/>
-              <a:t>[</a:t>
-            </a:r>
-            <a:r>
-              <a:rPr lang="en-US" dirty="0" smtClean="0"/>
-              <a:t>Requirement | Sub requirement | Task | Sub task] (Shades of grey)</a:t>
+              <a:t>[Requirement | Sub requirement | Task | Sub task] (Shades of grey)</a:t>
             </a:r>
           </a:p>
           <a:p>
@@ -8384,11 +8437,7 @@
             <a:pPr lvl="1"/>
             <a:r>
               <a:rPr lang="en-US" dirty="0" smtClean="0"/>
-              <a:t>[</a:t>
-            </a:r>
-            <a:r>
-              <a:rPr lang="en-US" dirty="0" smtClean="0"/>
-              <a:t>Feature | Enhancement | Bug | Other] (Shades of blue)</a:t>
+              <a:t>[Feature | Enhancement | Bug | Other] (Shades of blue)</a:t>
             </a:r>
           </a:p>
           <a:p>
@@ -8457,7 +8506,6 @@
               <a:rPr lang="en-US" dirty="0" smtClean="0"/>
               <a:t>[Blocked | Duplicate]</a:t>
             </a:r>
-            <a:endParaRPr lang="en-US" dirty="0" smtClean="0"/>
           </a:p>
         </p:txBody>
       </p:sp>
@@ -8534,7 +8582,7 @@
         <p:spPr/>
         <p:txBody>
           <a:bodyPr>
-            <a:normAutofit fontScale="77500" lnSpcReduction="20000"/>
+            <a:normAutofit fontScale="70000" lnSpcReduction="20000"/>
           </a:bodyPr>
           <a:lstStyle/>
           <a:p>
@@ -8577,8 +8625,13 @@
             <a:pPr lvl="1"/>
             <a:r>
               <a:rPr lang="en-US" dirty="0" smtClean="0"/>
-              <a:t>These depict the category they belong to</a:t>
-            </a:r>
+              <a:t>These depict the category they belong </a:t>
+            </a:r>
+            <a:r>
+              <a:rPr lang="en-US" dirty="0" smtClean="0"/>
+              <a:t>to (helps making them standout in combination with the color coding)</a:t>
+            </a:r>
+            <a:endParaRPr lang="en-US" dirty="0" smtClean="0"/>
           </a:p>
           <a:p>
             <a:pPr lvl="1"/>
@@ -8591,7 +8644,19 @@
             <a:pPr lvl="1"/>
             <a:r>
               <a:rPr lang="en-US" dirty="0" smtClean="0"/>
-              <a:t>Choose wisely! It’s pain in the ass to change that later (same goes to the color scheme)</a:t>
+              <a:t>Choose wisely! </a:t>
+            </a:r>
+            <a:r>
+              <a:rPr lang="en-US" dirty="0" smtClean="0"/>
+              <a:t>It’s a </a:t>
+            </a:r>
+            <a:r>
+              <a:rPr lang="en-US" dirty="0" smtClean="0"/>
+              <a:t>pain in the ass to change that later (same goes to the color scheme</a:t>
+            </a:r>
+            <a:r>
+              <a:rPr lang="en-US" dirty="0" smtClean="0"/>
+              <a:t>), although of course possible</a:t>
             </a:r>
             <a:endParaRPr lang="en-US" dirty="0"/>
           </a:p>
@@ -8654,20 +8719,20 @@
               <a:t>Issues </a:t>
             </a:r>
             <a:r>
-              <a:rPr lang="en-US" dirty="0" err="1" smtClean="0"/>
-              <a:t>vs</a:t>
-            </a:r>
-            <a:r>
-              <a:rPr lang="en-US" dirty="0" smtClean="0"/>
-              <a:t> Tasks </a:t>
-            </a:r>
-            <a:r>
-              <a:rPr lang="en-US" dirty="0" err="1" smtClean="0"/>
-              <a:t>vs</a:t>
-            </a:r>
-            <a:r>
-              <a:rPr lang="en-US" dirty="0" smtClean="0"/>
-              <a:t> Requirements</a:t>
+              <a:rPr lang="en-US" dirty="0" smtClean="0"/>
+              <a:t>vs. </a:t>
+            </a:r>
+            <a:r>
+              <a:rPr lang="en-US" dirty="0" smtClean="0"/>
+              <a:t>Tasks </a:t>
+            </a:r>
+            <a:r>
+              <a:rPr lang="en-US" dirty="0" smtClean="0"/>
+              <a:t>vs. </a:t>
+            </a:r>
+            <a:r>
+              <a:rPr lang="en-US" dirty="0" smtClean="0"/>
+              <a:t>Requirements</a:t>
             </a:r>
             <a:endParaRPr lang="en-US" dirty="0"/>
           </a:p>
@@ -8796,13 +8861,33 @@
           <a:p>
             <a:r>
               <a:rPr lang="en-US" dirty="0" smtClean="0"/>
-              <a:t>There can be situations when a requirement or a task should be or must be split into smaller chunks</a:t>
-            </a:r>
-          </a:p>
-          <a:p>
-            <a:r>
-              <a:rPr lang="en-US" dirty="0" smtClean="0"/>
-              <a:t>This brings some hierarchical problems to the table since Issues tool doesn’t have this kind of built-in hierarchy handling, thus it must be done manually</a:t>
+              <a:t>There can be situations when a requirement or a task </a:t>
+            </a:r>
+            <a:r>
+              <a:rPr lang="en-US" dirty="0" smtClean="0"/>
+              <a:t>should </a:t>
+            </a:r>
+            <a:r>
+              <a:rPr lang="en-US" dirty="0" smtClean="0"/>
+              <a:t>or must be split into smaller chunks</a:t>
+            </a:r>
+          </a:p>
+          <a:p>
+            <a:r>
+              <a:rPr lang="en-US" dirty="0" smtClean="0"/>
+              <a:t>This brings some hierarchical problems to the table since Issues </a:t>
+            </a:r>
+            <a:r>
+              <a:rPr lang="en-US" dirty="0" smtClean="0"/>
+              <a:t>-tool </a:t>
+            </a:r>
+            <a:r>
+              <a:rPr lang="en-US" dirty="0" smtClean="0"/>
+              <a:t>doesn’t have this kind of built-in hierarchy handling, thus it must </a:t>
+            </a:r>
+            <a:r>
+              <a:rPr lang="en-US" dirty="0" smtClean="0"/>
+              <a:t>achieved manually</a:t>
             </a:r>
             <a:endParaRPr lang="en-US" dirty="0"/>
           </a:p>
@@ -9007,7 +9092,7 @@
         <p:spPr/>
         <p:txBody>
           <a:bodyPr>
-            <a:normAutofit fontScale="85000" lnSpcReduction="20000"/>
+            <a:normAutofit fontScale="85000" lnSpcReduction="10000"/>
           </a:bodyPr>
           <a:lstStyle/>
           <a:p>
@@ -9017,6 +9102,7 @@
             </a:r>
           </a:p>
           <a:p>
+            <a:pPr lvl="1"/>
             <a:r>
               <a:rPr lang="en-US" dirty="0" smtClean="0"/>
               <a:t>This is a sub requirement, its parent requirement being R2</a:t>
@@ -9048,9 +9134,18 @@
             </a:r>
           </a:p>
           <a:p>
-            <a:r>
-              <a:rPr lang="en-US" dirty="0" smtClean="0"/>
-              <a:t>The next slide shows possible hierarchical cases that can exist in the limits of this guideline</a:t>
+            <a:pPr lvl="1"/>
+            <a:r>
+              <a:rPr lang="en-US" dirty="0" smtClean="0"/>
+              <a:t>The next slide </a:t>
+            </a:r>
+            <a:r>
+              <a:rPr lang="en-US" dirty="0" smtClean="0"/>
+              <a:t>shows few </a:t>
+            </a:r>
+            <a:r>
+              <a:rPr lang="en-US" dirty="0" smtClean="0"/>
+              <a:t>possible hierarchical cases that can exist in the limits of this guideline</a:t>
             </a:r>
           </a:p>
         </p:txBody>
@@ -9234,7 +9329,15 @@
             <a:pPr lvl="1"/>
             <a:r>
               <a:rPr lang="en-US" dirty="0" smtClean="0"/>
-              <a:t>With labels and naming conventions</a:t>
+              <a:t>With </a:t>
+            </a:r>
+            <a:r>
+              <a:rPr lang="en-US" dirty="0" smtClean="0"/>
+              <a:t>labels, references </a:t>
+            </a:r>
+            <a:r>
+              <a:rPr lang="en-US" dirty="0" smtClean="0"/>
+              <a:t>and naming conventions</a:t>
             </a:r>
           </a:p>
           <a:p>
@@ -9354,7 +9457,7 @@
         <p:spPr/>
         <p:txBody>
           <a:bodyPr>
-            <a:normAutofit fontScale="92500" lnSpcReduction="20000"/>
+            <a:normAutofit fontScale="77500" lnSpcReduction="20000"/>
           </a:bodyPr>
           <a:lstStyle/>
           <a:p>
@@ -9364,14 +9467,13 @@
             </a:r>
           </a:p>
           <a:p>
+            <a:r>
+              <a:rPr lang="en-US" dirty="0" smtClean="0"/>
+              <a:t>I discuss this in the second step of creating an issue but the recommendation is as follows:</a:t>
+            </a:r>
+          </a:p>
+          <a:p>
             <a:pPr lvl="1"/>
-            <a:r>
-              <a:rPr lang="en-US" dirty="0" smtClean="0"/>
-              <a:t>I discuss this in the second step of creating an issue but the recommendation is as follows:</a:t>
-            </a:r>
-          </a:p>
-          <a:p>
-            <a:pPr lvl="2"/>
             <a:r>
               <a:rPr lang="en-US" dirty="0" smtClean="0"/>
               <a:t>Every issue should refer to the </a:t>
@@ -9382,18 +9484,47 @@
             </a:r>
             <a:r>
               <a:rPr lang="en-US" dirty="0" smtClean="0"/>
-              <a:t> parent or child issue</a:t>
-            </a:r>
-          </a:p>
-          <a:p>
-            <a:pPr lvl="3"/>
-            <a:r>
-              <a:rPr lang="en-US" dirty="0" smtClean="0"/>
-              <a:t>So a requirement can only refer to sub requirements or main tasks (if there’s no sub requirement between them) and sub task can only refer to main task (sub task cannot exist without a main task)</a:t>
-            </a:r>
+              <a:t> parent or child </a:t>
+            </a:r>
+            <a:r>
+              <a:rPr lang="en-US" dirty="0" smtClean="0"/>
+              <a:t>issue (preferably both)</a:t>
+            </a:r>
+            <a:endParaRPr lang="en-US" dirty="0" smtClean="0"/>
           </a:p>
           <a:p>
             <a:pPr lvl="2"/>
+            <a:r>
+              <a:rPr lang="en-US" dirty="0" smtClean="0"/>
+              <a:t>So a requirement can </a:t>
+            </a:r>
+            <a:r>
+              <a:rPr lang="en-US" dirty="0" smtClean="0"/>
+              <a:t>refer </a:t>
+            </a:r>
+            <a:r>
+              <a:rPr lang="en-US" dirty="0" smtClean="0"/>
+              <a:t>to sub requirements or main tasks (if there’s no sub requirement between them) </a:t>
+            </a:r>
+            <a:r>
+              <a:rPr lang="en-US" dirty="0" smtClean="0"/>
+              <a:t>and a </a:t>
+            </a:r>
+            <a:r>
+              <a:rPr lang="en-US" dirty="0" smtClean="0"/>
+              <a:t>sub task can </a:t>
+            </a:r>
+            <a:r>
+              <a:rPr lang="en-US" dirty="0" smtClean="0"/>
+              <a:t>refer </a:t>
+            </a:r>
+            <a:r>
+              <a:rPr lang="en-US" dirty="0" smtClean="0"/>
+              <a:t>to main task (sub task cannot exist without a main task)</a:t>
+            </a:r>
+          </a:p>
+          <a:p>
+            <a:pPr lvl="1"/>
             <a:r>
               <a:rPr lang="en-US" dirty="0" smtClean="0"/>
               <a:t>Since this causes a ’do this, fix that’ problem (explained in the issue’s creation), the minimum is that </a:t>
@@ -9404,7 +9535,26 @@
             </a:r>
             <a:r>
               <a:rPr lang="en-US" dirty="0" smtClean="0"/>
-              <a:t> issues refer to parent issues or to other issues at the same level (this enables the main task to refer another main task), though I highly recommend that also parents refer to their children</a:t>
+              <a:t> issues refer </a:t>
+            </a:r>
+            <a:r>
+              <a:rPr lang="en-US" dirty="0" smtClean="0"/>
+              <a:t>to the </a:t>
+            </a:r>
+            <a:r>
+              <a:rPr lang="en-US" dirty="0" smtClean="0"/>
+              <a:t>parent </a:t>
+            </a:r>
+            <a:r>
+              <a:rPr lang="en-US" dirty="0"/>
+              <a:t>issues, though I highly recommend that also parents refer to their children</a:t>
+            </a:r>
+          </a:p>
+          <a:p>
+            <a:pPr lvl="1"/>
+            <a:r>
+              <a:rPr lang="en-US" dirty="0" smtClean="0"/>
+              <a:t>Other issues should also be referred if there exists a viable connection between them</a:t>
             </a:r>
             <a:endParaRPr lang="en-US" dirty="0"/>
           </a:p>
@@ -9598,7 +9748,11 @@
             </a:r>
             <a:r>
               <a:rPr lang="en-US" dirty="0" smtClean="0"/>
-              <a:t>XXX-100-1 or XXX-100.1</a:t>
+              <a:t>XXX-100-1 or </a:t>
+            </a:r>
+            <a:r>
+              <a:rPr lang="en-US" dirty="0" smtClean="0"/>
+              <a:t>XXX-100.1</a:t>
             </a:r>
             <a:endParaRPr lang="fi-FI" dirty="0" smtClean="0"/>
           </a:p>
@@ -9771,7 +9925,23 @@
             </a:r>
             <a:r>
               <a:rPr lang="en-US" dirty="0"/>
-              <a:t>of solving this: 1) Parent tasks don’t reference sub tasks, only sub tasks refer to main tasks, 2) Create first those issues that are referenced or 3) Update the issues afterwards.</a:t>
+              <a:t>of solving this: 1) Parent tasks don’t reference sub tasks, only sub tasks refer to main tasks, 2) Create first those issues that are </a:t>
+            </a:r>
+            <a:r>
+              <a:rPr lang="en-US" dirty="0" smtClean="0"/>
+              <a:t>referenced (first sub-tasks, then main tasks, sub-</a:t>
+            </a:r>
+            <a:r>
+              <a:rPr lang="en-US" dirty="0" err="1" smtClean="0"/>
+              <a:t>reqs</a:t>
+            </a:r>
+            <a:r>
+              <a:rPr lang="en-US" dirty="0" smtClean="0"/>
+              <a:t>, and so on) </a:t>
+            </a:r>
+            <a:r>
+              <a:rPr lang="en-US" dirty="0"/>
+              <a:t>or 3) Update the issues afterwards.</a:t>
             </a:r>
             <a:endParaRPr lang="fi-FI" dirty="0"/>
           </a:p>
@@ -10066,12 +10236,16 @@
               <a:t>For iteration tracking (to implement Sprints or </a:t>
             </a:r>
             <a:r>
-              <a:rPr lang="en-US" dirty="0" err="1" smtClean="0"/>
-              <a:t>suchs</a:t>
-            </a:r>
-            <a:r>
-              <a:rPr lang="en-US" dirty="0" smtClean="0"/>
-              <a:t> iterations)</a:t>
+              <a:rPr lang="en-US" dirty="0" smtClean="0"/>
+              <a:t>other</a:t>
+            </a:r>
+            <a:r>
+              <a:rPr lang="en-US" dirty="0" smtClean="0"/>
+              <a:t> </a:t>
+            </a:r>
+            <a:r>
+              <a:rPr lang="en-US" dirty="0" smtClean="0"/>
+              <a:t>iterations)</a:t>
             </a:r>
           </a:p>
           <a:p>
@@ -10215,7 +10389,6 @@
               <a:rPr lang="en-US" dirty="0" smtClean="0"/>
               <a:t>Issues are there to visualize this guideline’s practices</a:t>
             </a:r>
-            <a:endParaRPr lang="en-US" dirty="0" smtClean="0"/>
           </a:p>
         </p:txBody>
       </p:sp>
@@ -10389,7 +10562,15 @@
             <a:pPr lvl="1"/>
             <a:r>
               <a:rPr lang="en-US" dirty="0" smtClean="0"/>
-              <a:t>…or selecting the issue from the list and using the drop down options in the top of the list</a:t>
+              <a:t>…or selecting the issue from the list </a:t>
+            </a:r>
+            <a:r>
+              <a:rPr lang="en-US" dirty="0" smtClean="0"/>
+              <a:t>view and </a:t>
+            </a:r>
+            <a:r>
+              <a:rPr lang="en-US" dirty="0" smtClean="0"/>
+              <a:t>using the drop down options in the top of the list</a:t>
             </a:r>
           </a:p>
           <a:p>
@@ -10503,7 +10684,7 @@
         <p:spPr/>
         <p:txBody>
           <a:bodyPr>
-            <a:normAutofit fontScale="92500" lnSpcReduction="10000"/>
+            <a:normAutofit fontScale="92500" lnSpcReduction="20000"/>
           </a:bodyPr>
           <a:lstStyle/>
           <a:p>
@@ -10548,7 +10729,15 @@
           <a:p>
             <a:r>
               <a:rPr lang="en-US" dirty="0" smtClean="0"/>
-              <a:t>Developer X finds out a problem with the task</a:t>
+              <a:t>Developer X finds out </a:t>
+            </a:r>
+            <a:r>
+              <a:rPr lang="en-US" dirty="0" smtClean="0"/>
+              <a:t>a blocker </a:t>
+            </a:r>
+            <a:r>
+              <a:rPr lang="en-US" dirty="0" smtClean="0"/>
+              <a:t>problem with the task</a:t>
             </a:r>
           </a:p>
           <a:p>
@@ -10633,13 +10822,21 @@
         <p:spPr/>
         <p:txBody>
           <a:bodyPr>
-            <a:normAutofit fontScale="70000" lnSpcReduction="20000"/>
+            <a:normAutofit fontScale="62500" lnSpcReduction="20000"/>
           </a:bodyPr>
           <a:lstStyle/>
           <a:p>
             <a:r>
               <a:rPr lang="en-US" dirty="0" smtClean="0"/>
-              <a:t>The task is discussed little in the comments and more widely in the f2f meeting</a:t>
+              <a:t>The task is </a:t>
+            </a:r>
+            <a:r>
+              <a:rPr lang="en-US" dirty="0" smtClean="0"/>
+              <a:t>discussed </a:t>
+            </a:r>
+            <a:r>
+              <a:rPr lang="en-US" dirty="0" smtClean="0"/>
+              <a:t>in the comments and more widely in the f2f meeting</a:t>
             </a:r>
           </a:p>
           <a:p>
@@ -10687,7 +10884,15 @@
             <a:pPr lvl="1"/>
             <a:r>
               <a:rPr lang="en-US" dirty="0" smtClean="0"/>
-              <a:t>References the issue in comments (and if decided to does the testing, mentions him)</a:t>
+              <a:t>References the issue in comments (and if </a:t>
+            </a:r>
+            <a:r>
+              <a:rPr lang="en-US" dirty="0" smtClean="0"/>
+              <a:t>tester is assigned, </a:t>
+            </a:r>
+            <a:r>
+              <a:rPr lang="en-US" dirty="0" smtClean="0"/>
+              <a:t>mentions him)</a:t>
             </a:r>
           </a:p>
           <a:p>
@@ -10700,8 +10905,26 @@
             <a:pPr lvl="1"/>
             <a:r>
               <a:rPr lang="en-US" dirty="0" smtClean="0"/>
+              <a:t>Status is </a:t>
+            </a:r>
+            <a:r>
+              <a:rPr lang="en-US" dirty="0" smtClean="0"/>
+              <a:t>changed</a:t>
+            </a:r>
+          </a:p>
+          <a:p>
+            <a:r>
+              <a:rPr lang="en-US" dirty="0" smtClean="0"/>
+              <a:t>Y tests the task</a:t>
+            </a:r>
+          </a:p>
+          <a:p>
+            <a:pPr lvl="1"/>
+            <a:r>
+              <a:rPr lang="en-US" dirty="0" smtClean="0"/>
               <a:t>Status is changed</a:t>
             </a:r>
+            <a:endParaRPr lang="en-US" dirty="0" smtClean="0"/>
           </a:p>
           <a:p>
             <a:r>
@@ -10830,7 +11053,15 @@
             <a:pPr lvl="1"/>
             <a:r>
               <a:rPr lang="en-US" dirty="0" smtClean="0"/>
-              <a:t>3: Labels filter, multiple selections allowed</a:t>
+              <a:t>3: </a:t>
+            </a:r>
+            <a:r>
+              <a:rPr lang="en-US" dirty="0" smtClean="0"/>
+              <a:t>Label </a:t>
+            </a:r>
+            <a:r>
+              <a:rPr lang="en-US" dirty="0" smtClean="0"/>
+              <a:t>filter, multiple selections allowed</a:t>
             </a:r>
           </a:p>
           <a:p>
@@ -10851,8 +11082,13 @@
             </a:r>
             <a:r>
               <a:rPr lang="en-US" dirty="0" smtClean="0"/>
-              <a:t>! So put those bookmarks of yours into a good use</a:t>
-            </a:r>
+              <a:t>! So put those bookmarks of yours into </a:t>
+            </a:r>
+            <a:r>
+              <a:rPr lang="en-US" dirty="0" smtClean="0"/>
+              <a:t>an use</a:t>
+            </a:r>
+            <a:endParaRPr lang="en-US" dirty="0" smtClean="0"/>
           </a:p>
           <a:p>
             <a:r>
@@ -11051,7 +11287,15 @@
             <a:pPr lvl="1"/>
             <a:r>
               <a:rPr lang="en-US" dirty="0" smtClean="0"/>
-              <a:t>Every task assigned to me which are marked as required</a:t>
+              <a:t>Every task assigned to me which </a:t>
+            </a:r>
+            <a:r>
+              <a:rPr lang="en-US" dirty="0" smtClean="0"/>
+              <a:t>is marked </a:t>
+            </a:r>
+            <a:r>
+              <a:rPr lang="en-US" dirty="0" smtClean="0"/>
+              <a:t>as required</a:t>
             </a:r>
           </a:p>
           <a:p>
@@ -11169,14 +11413,26 @@
           <a:p>
             <a:r>
               <a:rPr lang="en-US" dirty="0" smtClean="0"/>
-              <a:t>The following are my thoughts programmers:</a:t>
+              <a:t>The following are my </a:t>
+            </a:r>
+            <a:r>
+              <a:rPr lang="en-US" dirty="0" smtClean="0"/>
+              <a:t>thoughts for </a:t>
+            </a:r>
+            <a:r>
+              <a:rPr lang="en-US" dirty="0" smtClean="0"/>
+              <a:t>programmers:</a:t>
             </a:r>
           </a:p>
           <a:p>
             <a:pPr lvl="1"/>
             <a:r>
               <a:rPr lang="en-US" dirty="0" smtClean="0"/>
-              <a:t>Programmers should be aware of all issues that mention them + the issues that are assigned to them. Priority and milestone information is relevant.</a:t>
+              <a:t>Should be </a:t>
+            </a:r>
+            <a:r>
+              <a:rPr lang="en-US" dirty="0" smtClean="0"/>
+              <a:t>aware of all issues that mention them + the issues that are assigned to them. Priority and milestone information is relevant.</a:t>
             </a:r>
           </a:p>
           <a:p>
@@ -11185,8 +11441,8 @@
               <a:t>… and </a:t>
             </a:r>
             <a:r>
-              <a:rPr lang="en-US" dirty="0" err="1" smtClean="0"/>
-              <a:t>pms</a:t>
+              <a:rPr lang="en-US" dirty="0" smtClean="0"/>
+              <a:t>PMs</a:t>
             </a:r>
             <a:r>
               <a:rPr lang="en-US" dirty="0" smtClean="0"/>
@@ -11316,8 +11572,8 @@
               <a:t>the RM (like </a:t>
             </a:r>
             <a:r>
-              <a:rPr lang="en-US" dirty="0" err="1"/>
-              <a:t>pms</a:t>
+              <a:rPr lang="en-US" dirty="0" smtClean="0"/>
+              <a:t>PMs</a:t>
             </a:r>
             <a:r>
               <a:rPr lang="en-US" dirty="0"/>
@@ -11335,7 +11591,15 @@
             <a:pPr lvl="1"/>
             <a:r>
               <a:rPr lang="en-US" dirty="0" smtClean="0"/>
-              <a:t>This can rarely be achieved, so my recommend is that if discussion considering an issue occurs somewhere else (emails, chats, </a:t>
+              <a:t>This can rarely be achieved, so my recommend is that if discussion </a:t>
+            </a:r>
+            <a:r>
+              <a:rPr lang="en-US" dirty="0" smtClean="0"/>
+              <a:t>regarding an </a:t>
+            </a:r>
+            <a:r>
+              <a:rPr lang="en-US" dirty="0" smtClean="0"/>
+              <a:t>issue occurs somewhere else (emails, chats, </a:t>
             </a:r>
             <a:r>
               <a:rPr lang="en-US" b="1" dirty="0" smtClean="0"/>
@@ -11360,12 +11624,16 @@
               <a:t>The bottom line is that issue’s description </a:t>
             </a:r>
             <a:r>
-              <a:rPr lang="en-US" i="1" dirty="0" smtClean="0"/>
+              <a:rPr lang="en-US" b="1" i="1" dirty="0" smtClean="0"/>
               <a:t>must</a:t>
             </a:r>
             <a:r>
               <a:rPr lang="en-US" dirty="0" smtClean="0"/>
-              <a:t> always be up to date</a:t>
+              <a:t> always be up to </a:t>
+            </a:r>
+            <a:r>
+              <a:rPr lang="en-US" dirty="0" smtClean="0"/>
+              <a:t>date. This is imperative.</a:t>
             </a:r>
             <a:endParaRPr lang="en-US" dirty="0"/>
           </a:p>
@@ -11444,7 +11712,7 @@
         <p:spPr/>
         <p:txBody>
           <a:bodyPr>
-            <a:normAutofit fontScale="70000" lnSpcReduction="20000"/>
+            <a:normAutofit fontScale="62500" lnSpcReduction="20000"/>
           </a:bodyPr>
           <a:lstStyle/>
           <a:p>
@@ -11479,7 +11747,23 @@
             </a:r>
             <a:r>
               <a:rPr lang="en-US" dirty="0" smtClean="0"/>
-              <a:t>. However if an issue is referenced the task lists state will be visible in the reference comment.</a:t>
+              <a:t>. </a:t>
+            </a:r>
+            <a:r>
+              <a:rPr lang="en-US" dirty="0" smtClean="0"/>
+              <a:t>However, </a:t>
+            </a:r>
+            <a:r>
+              <a:rPr lang="en-US" dirty="0" smtClean="0"/>
+              <a:t>if an issue is </a:t>
+            </a:r>
+            <a:r>
+              <a:rPr lang="en-US" dirty="0" smtClean="0"/>
+              <a:t>referenced, the </a:t>
+            </a:r>
+            <a:r>
+              <a:rPr lang="en-US" dirty="0" smtClean="0"/>
+              <a:t>task lists state will be visible in the reference comment.</a:t>
             </a:r>
             <a:endParaRPr lang="fi-FI" dirty="0"/>
           </a:p>
@@ -11522,8 +11806,24 @@
           <a:p>
             <a:pPr lvl="0"/>
             <a:r>
+              <a:rPr lang="en-US" dirty="0" smtClean="0"/>
+              <a:t>Like keeping description up to date, it is</a:t>
+            </a:r>
+            <a:r>
+              <a:rPr lang="en-US" dirty="0" smtClean="0"/>
+              <a:t> </a:t>
+            </a:r>
+            <a:r>
               <a:rPr lang="en-US" dirty="0"/>
-              <a:t>It’s imperative that the labels of each issue are up to date! Those are the </a:t>
+              <a:t>imperative that the labels of each issue </a:t>
+            </a:r>
+            <a:r>
+              <a:rPr lang="en-US" dirty="0" smtClean="0"/>
+              <a:t>are also </a:t>
+            </a:r>
+            <a:r>
+              <a:rPr lang="en-US" dirty="0"/>
+              <a:t>up to date! Those are the </a:t>
             </a:r>
             <a:r>
               <a:rPr lang="en-US" dirty="0" smtClean="0"/>
@@ -11536,6 +11836,13 @@
             <a:r>
               <a:rPr lang="en-US" dirty="0" smtClean="0"/>
               <a:t>.</a:t>
+            </a:r>
+          </a:p>
+          <a:p>
+            <a:pPr lvl="1"/>
+            <a:r>
+              <a:rPr lang="en-US" dirty="0" smtClean="0"/>
+              <a:t>Think it like this: description tells what the issue is all about (what should be done to complete it) and labels visualize the different states of issues </a:t>
             </a:r>
             <a:endParaRPr lang="fi-FI" dirty="0"/>
           </a:p>
@@ -11699,29 +12006,50 @@
           <a:p>
             <a:r>
               <a:rPr lang="en-US" dirty="0" smtClean="0"/>
-              <a:t>My suggestion is that the same person who does the implementation is not authorized to close the issue (thus someone else – like pm – must do it)</a:t>
+              <a:t>My suggestion is that the same person who does the implementation is not authorized to close the issue (thus someone else – like </a:t>
+            </a:r>
+            <a:r>
+              <a:rPr lang="en-US" dirty="0" smtClean="0"/>
+              <a:t>PM – </a:t>
+            </a:r>
+            <a:r>
+              <a:rPr lang="en-US" dirty="0" smtClean="0"/>
+              <a:t>must do it)</a:t>
             </a:r>
           </a:p>
           <a:p>
             <a:pPr lvl="1"/>
             <a:r>
               <a:rPr lang="en-US" dirty="0" smtClean="0"/>
-              <a:t>This means that issues shouldn’t be closed from commits but manually from issues</a:t>
-            </a:r>
+              <a:t>This means that issues shouldn’t be closed from commits but manually from </a:t>
+            </a:r>
+            <a:r>
+              <a:rPr lang="en-US" dirty="0" err="1" smtClean="0"/>
+              <a:t>GitHub</a:t>
+            </a:r>
+            <a:endParaRPr lang="en-US" dirty="0" smtClean="0"/>
           </a:p>
           <a:p>
             <a:pPr lvl="1"/>
             <a:r>
               <a:rPr lang="en-US" dirty="0" smtClean="0"/>
-              <a:t>IF we are precise, this is doesn’t belong to the RM, BUT generally it is a good idea, and it enhances the visibility (other developers or </a:t>
-            </a:r>
-            <a:r>
-              <a:rPr lang="en-US" dirty="0" err="1" smtClean="0"/>
-              <a:t>pms</a:t>
-            </a:r>
-            <a:r>
-              <a:rPr lang="en-US" dirty="0" smtClean="0"/>
-              <a:t> are ’forced’ to see what you have done)</a:t>
+              <a:t>IF we are precise, </a:t>
+            </a:r>
+            <a:r>
+              <a:rPr lang="en-US" dirty="0" smtClean="0"/>
+              <a:t>this </a:t>
+            </a:r>
+            <a:r>
+              <a:rPr lang="en-US" dirty="0" smtClean="0"/>
+              <a:t>doesn’t belong to the RM, BUT generally it is a good idea, and it enhances the visibility (other developers or </a:t>
+            </a:r>
+            <a:r>
+              <a:rPr lang="en-US" dirty="0" smtClean="0"/>
+              <a:t>PMs </a:t>
+            </a:r>
+            <a:r>
+              <a:rPr lang="en-US" dirty="0" smtClean="0"/>
+              <a:t>are ’forced’ to see what you have done)</a:t>
             </a:r>
           </a:p>
         </p:txBody>
@@ -11828,7 +12156,15 @@
             </a:r>
             <a:r>
               <a:rPr lang="en-US" dirty="0" smtClean="0"/>
-              <a:t> for this, but since there were no guidelines, the results remained shallow</a:t>
+              <a:t> for this, but since there were no </a:t>
+            </a:r>
+            <a:r>
+              <a:rPr lang="en-US" dirty="0" smtClean="0"/>
+              <a:t>guidelines or instructions, </a:t>
+            </a:r>
+            <a:r>
+              <a:rPr lang="en-US" dirty="0" smtClean="0"/>
+              <a:t>the results remained shallow</a:t>
             </a:r>
           </a:p>
           <a:p>
@@ -11914,7 +12250,7 @@
         <p:spPr/>
         <p:txBody>
           <a:bodyPr>
-            <a:normAutofit lnSpcReduction="10000"/>
+            <a:normAutofit fontScale="85000" lnSpcReduction="10000"/>
           </a:bodyPr>
           <a:lstStyle/>
           <a:p>
@@ -11951,7 +12287,26 @@
             <a:pPr lvl="1"/>
             <a:r>
               <a:rPr lang="en-US" dirty="0" smtClean="0"/>
-              <a:t>They could also have the priority label but it is more efficient to give it straight to tasks. So if you want to emphasize certain requirement, give the tasks related to it high priority</a:t>
+              <a:t>They could also have the priority label but it is more efficient to give it straight to </a:t>
+            </a:r>
+            <a:r>
+              <a:rPr lang="en-US" dirty="0" smtClean="0"/>
+              <a:t>tasks since they are the ones that people mainly work with</a:t>
+            </a:r>
+          </a:p>
+          <a:p>
+            <a:pPr lvl="1"/>
+            <a:r>
+              <a:rPr lang="en-US" dirty="0" smtClean="0"/>
+              <a:t>So </a:t>
+            </a:r>
+            <a:r>
+              <a:rPr lang="en-US" dirty="0" smtClean="0"/>
+              <a:t>if you want to emphasize certain requirement, give the tasks related to it </a:t>
+            </a:r>
+            <a:r>
+              <a:rPr lang="en-US" dirty="0" smtClean="0"/>
+              <a:t>higher priority. Of course priority label can be used as a remainder in a requirement issue</a:t>
             </a:r>
             <a:endParaRPr lang="en-US" dirty="0"/>
           </a:p>
@@ -12168,12 +12523,20 @@
               <a:t>It’s also a good practice that if the one who creates the issue doesn’t assign it to himself, the assignment is left pending the </a:t>
             </a:r>
             <a:r>
-              <a:rPr lang="en-US" dirty="0" err="1" smtClean="0"/>
-              <a:t>pms</a:t>
-            </a:r>
-            <a:r>
-              <a:rPr lang="en-US" dirty="0" smtClean="0"/>
-              <a:t> decision (the creator should rather mention a pm as to notify him about the bug)</a:t>
+              <a:rPr lang="en-US" dirty="0" smtClean="0"/>
+              <a:t>PMs </a:t>
+            </a:r>
+            <a:r>
+              <a:rPr lang="en-US" dirty="0" smtClean="0"/>
+              <a:t>decision (the creator should rather mention a </a:t>
+            </a:r>
+            <a:r>
+              <a:rPr lang="en-US" dirty="0" smtClean="0"/>
+              <a:t>PM as </a:t>
+            </a:r>
+            <a:r>
+              <a:rPr lang="en-US" dirty="0" smtClean="0"/>
+              <a:t>to notify him about the bug)</a:t>
             </a:r>
             <a:endParaRPr lang="en-US" dirty="0"/>
           </a:p>
@@ -12228,58 +12591,63 @@
         </p:nvSpPr>
         <p:spPr/>
         <p:txBody>
+          <a:bodyPr/>
+          <a:lstStyle/>
+          <a:p>
+            <a:r>
+              <a:rPr lang="en-US" dirty="0" smtClean="0"/>
+              <a:t>Creating a bug report</a:t>
+            </a:r>
+            <a:endParaRPr lang="en-US" dirty="0"/>
+          </a:p>
+        </p:txBody>
+      </p:sp>
+      <p:sp>
+        <p:nvSpPr>
+          <p:cNvPr id="3" name="Content Placeholder 2"/>
+          <p:cNvSpPr>
+            <a:spLocks noGrp="1"/>
+          </p:cNvSpPr>
+          <p:nvPr>
+            <p:ph idx="1"/>
+          </p:nvPr>
+        </p:nvSpPr>
+        <p:spPr/>
+        <p:txBody>
           <a:bodyPr>
-            <a:normAutofit/>
+            <a:normAutofit fontScale="92500" lnSpcReduction="20000"/>
           </a:bodyPr>
           <a:lstStyle/>
           <a:p>
             <a:r>
               <a:rPr lang="en-US" dirty="0" smtClean="0"/>
-              <a:t>Creating an enhancement proposal</a:t>
-            </a:r>
-            <a:endParaRPr lang="en-US" dirty="0"/>
-          </a:p>
-        </p:txBody>
-      </p:sp>
-      <p:sp>
-        <p:nvSpPr>
-          <p:cNvPr id="3" name="Content Placeholder 2"/>
-          <p:cNvSpPr>
-            <a:spLocks noGrp="1"/>
-          </p:cNvSpPr>
-          <p:nvPr>
-            <p:ph idx="1"/>
-          </p:nvPr>
-        </p:nvSpPr>
-        <p:spPr/>
-        <p:txBody>
-          <a:bodyPr>
-            <a:normAutofit fontScale="85000" lnSpcReduction="20000"/>
-          </a:bodyPr>
-          <a:lstStyle/>
-          <a:p>
-            <a:r>
-              <a:rPr lang="en-US" dirty="0" smtClean="0"/>
-              <a:t>Enhancement proposals are used quite sparingly, but they could be utilized with a greater efficiency</a:t>
-            </a:r>
-          </a:p>
-          <a:p>
-            <a:r>
-              <a:rPr lang="en-US" dirty="0" smtClean="0"/>
-              <a:t>Enhancement proposal is a suggestion relating to a feature or a requirement that (in most cases) comes from such stakeholders which are not authorized to make the decision by themselves</a:t>
-            </a:r>
-          </a:p>
-          <a:p>
-            <a:r>
-              <a:rPr lang="en-US" dirty="0" smtClean="0"/>
-              <a:t>These suggestions often consist of a thoughts related to improving certain aspects or functionalities</a:t>
+              <a:t>Of course this is not the only way to handle bugs</a:t>
+            </a:r>
+          </a:p>
+          <a:p>
+            <a:r>
+              <a:rPr lang="en-US" dirty="0" smtClean="0"/>
+              <a:t>Other could be to use bug label as a flag</a:t>
             </a:r>
           </a:p>
           <a:p>
             <a:pPr lvl="1"/>
             <a:r>
               <a:rPr lang="en-US" dirty="0" smtClean="0"/>
-              <a:t>For example, it may have been specified with the customer that feature X will be done so and so. A programmer from the team has a better idea, and thus he makes an enhancement proposal</a:t>
+              <a:t>If during the testing a bug is found, the bug is commented to the issue’s comments and bug ‘flag’ is given</a:t>
+            </a:r>
+          </a:p>
+          <a:p>
+            <a:pPr lvl="1"/>
+            <a:r>
+              <a:rPr lang="en-US" dirty="0" smtClean="0"/>
+              <a:t>However, this might obstruct the way how bugs are controlled (they are kind of lost in comments, so if we want to know how many bugs there has been, every issue must be gone through to find them)</a:t>
+            </a:r>
+          </a:p>
+          <a:p>
+            <a:r>
+              <a:rPr lang="en-US" dirty="0" smtClean="0"/>
+              <a:t>Bug issues can also be given a own prefix to better distinct them. Nevertheless, they should still refer to an issue</a:t>
             </a:r>
             <a:endParaRPr lang="en-US" dirty="0"/>
           </a:p>
@@ -12288,7 +12656,7 @@
     </p:spTree>
     <p:extLst>
       <p:ext uri="{BB962C8B-B14F-4D97-AF65-F5344CB8AC3E}">
-        <p14:creationId xmlns:p14="http://schemas.microsoft.com/office/powerpoint/2010/main" val="555983324"/>
+        <p14:creationId xmlns:p14="http://schemas.microsoft.com/office/powerpoint/2010/main" val="1827126330"/>
       </p:ext>
     </p:extLst>
   </p:cSld>
@@ -12334,64 +12702,58 @@
         </p:nvSpPr>
         <p:spPr/>
         <p:txBody>
-          <a:bodyPr/>
-          <a:lstStyle/>
-          <a:p>
-            <a:r>
-              <a:rPr lang="en-US" dirty="0" smtClean="0"/>
-              <a:t>Creating an enhancement proposal</a:t>
-            </a:r>
-            <a:endParaRPr lang="en-US" dirty="0"/>
-          </a:p>
-        </p:txBody>
-      </p:sp>
-      <p:sp>
-        <p:nvSpPr>
-          <p:cNvPr id="3" name="Content Placeholder 2"/>
-          <p:cNvSpPr>
-            <a:spLocks noGrp="1"/>
-          </p:cNvSpPr>
-          <p:nvPr>
-            <p:ph idx="1"/>
-          </p:nvPr>
-        </p:nvSpPr>
-        <p:spPr/>
-        <p:txBody>
           <a:bodyPr>
-            <a:normAutofit fontScale="77500" lnSpcReduction="20000"/>
+            <a:normAutofit/>
           </a:bodyPr>
           <a:lstStyle/>
           <a:p>
             <a:r>
               <a:rPr lang="en-US" dirty="0" smtClean="0"/>
-              <a:t>For the guideline, an enhancement proposal is a main task or a sub task and relates to either a requirement or another main task. This depends about the nature of the enhancement.</a:t>
-            </a:r>
-          </a:p>
-          <a:p>
-            <a:r>
-              <a:rPr lang="en-US" dirty="0" smtClean="0"/>
-              <a:t>The creation is done with the normal steps with a ’Enhancement’ label</a:t>
+              <a:t>Creating an enhancement proposal</a:t>
+            </a:r>
+            <a:endParaRPr lang="en-US" dirty="0"/>
+          </a:p>
+        </p:txBody>
+      </p:sp>
+      <p:sp>
+        <p:nvSpPr>
+          <p:cNvPr id="3" name="Content Placeholder 2"/>
+          <p:cNvSpPr>
+            <a:spLocks noGrp="1"/>
+          </p:cNvSpPr>
+          <p:nvPr>
+            <p:ph idx="1"/>
+          </p:nvPr>
+        </p:nvSpPr>
+        <p:spPr/>
+        <p:txBody>
+          <a:bodyPr>
+            <a:normAutofit fontScale="85000" lnSpcReduction="20000"/>
+          </a:bodyPr>
+          <a:lstStyle/>
+          <a:p>
+            <a:r>
+              <a:rPr lang="en-US" dirty="0" smtClean="0"/>
+              <a:t>Enhancement proposals are used quite sparingly, but they could be utilized with a greater efficiency</a:t>
+            </a:r>
+          </a:p>
+          <a:p>
+            <a:r>
+              <a:rPr lang="en-US" dirty="0" smtClean="0"/>
+              <a:t>Enhancement proposal is a suggestion relating to a feature or a requirement that (in most cases) comes from such stakeholders which are not authorized to make the decision by themselves</a:t>
+            </a:r>
+          </a:p>
+          <a:p>
+            <a:r>
+              <a:rPr lang="en-US" dirty="0" smtClean="0"/>
+              <a:t>These suggestions often consist of a thoughts related to improving certain aspects or functionalities</a:t>
             </a:r>
           </a:p>
           <a:p>
             <a:pPr lvl="1"/>
             <a:r>
               <a:rPr lang="en-US" dirty="0" smtClean="0"/>
-              <a:t>Making an enhancement proposal doesn’t mean that it will be implemented. It is a proposal and should be discussed with the appropriate stakeholders whether it is accepted or not.</a:t>
-            </a:r>
-          </a:p>
-          <a:p>
-            <a:pPr lvl="1"/>
-            <a:r>
-              <a:rPr lang="en-US" dirty="0" smtClean="0"/>
-              <a:t>If accepted, the description may need improving, but otherwise it is handled as a task</a:t>
-            </a:r>
-          </a:p>
-          <a:p>
-            <a:pPr lvl="1"/>
-            <a:r>
-              <a:rPr lang="en-US" dirty="0" smtClean="0"/>
-              <a:t>If rejected, it should receive a ’Rejected’ label and be closed</a:t>
+              <a:t>For example, it may have been specified with the customer that feature X will be done so and so. A programmer from the team has a better idea, and thus he makes an enhancement proposal</a:t>
             </a:r>
             <a:endParaRPr lang="en-US" dirty="0"/>
           </a:p>
@@ -12400,7 +12762,7 @@
     </p:spTree>
     <p:extLst>
       <p:ext uri="{BB962C8B-B14F-4D97-AF65-F5344CB8AC3E}">
-        <p14:creationId xmlns:p14="http://schemas.microsoft.com/office/powerpoint/2010/main" val="2270194635"/>
+        <p14:creationId xmlns:p14="http://schemas.microsoft.com/office/powerpoint/2010/main" val="555983324"/>
       </p:ext>
     </p:extLst>
   </p:cSld>
@@ -12436,7 +12798,7 @@
       </p:grpSpPr>
       <p:sp>
         <p:nvSpPr>
-          <p:cNvPr id="2" name="Otsikko 1"/>
+          <p:cNvPr id="2" name="Title 1"/>
           <p:cNvSpPr>
             <a:spLocks noGrp="1"/>
           </p:cNvSpPr>
@@ -12451,7 +12813,7 @@
           <a:p>
             <a:r>
               <a:rPr lang="en-US" dirty="0" smtClean="0"/>
-              <a:t>About wiki</a:t>
+              <a:t>Creating an enhancement proposal</a:t>
             </a:r>
             <a:endParaRPr lang="en-US" dirty="0"/>
           </a:p>
@@ -12459,7 +12821,7 @@
       </p:sp>
       <p:sp>
         <p:nvSpPr>
-          <p:cNvPr id="3" name="Sisällön paikkamerkki 2"/>
+          <p:cNvPr id="3" name="Content Placeholder 2"/>
           <p:cNvSpPr>
             <a:spLocks noGrp="1"/>
           </p:cNvSpPr>
@@ -12470,79 +12832,49 @@
         <p:spPr/>
         <p:txBody>
           <a:bodyPr>
-            <a:normAutofit fontScale="62500" lnSpcReduction="20000"/>
+            <a:normAutofit fontScale="77500" lnSpcReduction="20000"/>
           </a:bodyPr>
           <a:lstStyle/>
           <a:p>
-            <a:pPr lvl="0"/>
-            <a:r>
-              <a:rPr lang="en-US" dirty="0" smtClean="0"/>
-              <a:t>There’s no reason why </a:t>
-            </a:r>
-            <a:r>
-              <a:rPr lang="en-US" dirty="0" err="1" smtClean="0"/>
-              <a:t>GitHub’s</a:t>
-            </a:r>
-            <a:r>
-              <a:rPr lang="en-US" dirty="0" smtClean="0"/>
-              <a:t> wiki shouldn’t be the major information platform</a:t>
-            </a:r>
-          </a:p>
-          <a:p>
-            <a:pPr lvl="0"/>
-            <a:r>
-              <a:rPr lang="en-US" dirty="0" smtClean="0"/>
-              <a:t>However, I’ll only discuss Wiki’s usage related to the RM</a:t>
-            </a:r>
-          </a:p>
-          <a:p>
-            <a:pPr lvl="0"/>
-            <a:r>
-              <a:rPr lang="en-US" dirty="0" smtClean="0"/>
-              <a:t>As mentioned below with the issues, it’s not clear how much information should be written to the issue’s description.</a:t>
+            <a:r>
+              <a:rPr lang="en-US" dirty="0" smtClean="0"/>
+              <a:t>For the guideline, an enhancement proposal is a main task or a sub task and relates to either a requirement or another main task. This depends about the nature of the enhancement.</a:t>
+            </a:r>
+          </a:p>
+          <a:p>
+            <a:r>
+              <a:rPr lang="en-US" dirty="0" smtClean="0"/>
+              <a:t>The creation is done with the normal steps with a ’Enhancement’ label</a:t>
             </a:r>
           </a:p>
           <a:p>
             <a:pPr lvl="1"/>
             <a:r>
               <a:rPr lang="en-US" dirty="0" smtClean="0"/>
-              <a:t>The bottom line is that by reading only the description a programmer should be able to tell what is wanted</a:t>
+              <a:t>Making an enhancement proposal doesn’t mean that it will be implemented. It is a proposal and should be discussed with the appropriate stakeholders whether it is accepted or not.</a:t>
             </a:r>
           </a:p>
           <a:p>
             <a:pPr lvl="1"/>
             <a:r>
               <a:rPr lang="en-US" dirty="0" smtClean="0"/>
-              <a:t>My own experience is that for every task many, many small details exist, it’s the matter of has anybody considered them that concerns us. Everything cannot be specified without some waste of time, but on the other hand, too vague specs will also waste time (because programmer either needs to figure out by himself or consult somebody). Of course in some cases programmer is given free hands to implement the feature within some borderlines.</a:t>
-            </a:r>
-          </a:p>
-          <a:p>
-            <a:r>
-              <a:rPr lang="en-US" dirty="0" smtClean="0"/>
-              <a:t>Overall the golden middle way can only be achieved by trial and error</a:t>
-            </a:r>
-            <a:endParaRPr lang="en-US" b="1" dirty="0" smtClean="0"/>
+              <a:t>If accepted, the description may need improving, but otherwise it is handled as a task</a:t>
+            </a:r>
           </a:p>
           <a:p>
             <a:pPr lvl="1"/>
             <a:r>
               <a:rPr lang="en-US" dirty="0" smtClean="0"/>
-              <a:t>Check this example issue and its description: </a:t>
-            </a:r>
-            <a:r>
-              <a:rPr lang="en-US" dirty="0" smtClean="0">
-                <a:hlinkClick r:id="rId2"/>
-              </a:rPr>
-              <a:t>https://github.com/Ripppe/GraduRepo/issues/5</a:t>
-            </a:r>
-            <a:endParaRPr lang="en-US" dirty="0" smtClean="0"/>
+              <a:t>If rejected, it should receive a ’Rejected’ label and be closed</a:t>
+            </a:r>
+            <a:endParaRPr lang="en-US" dirty="0"/>
           </a:p>
         </p:txBody>
       </p:sp>
     </p:spTree>
     <p:extLst>
       <p:ext uri="{BB962C8B-B14F-4D97-AF65-F5344CB8AC3E}">
-        <p14:creationId xmlns:p14="http://schemas.microsoft.com/office/powerpoint/2010/main" val="2136421189"/>
+        <p14:creationId xmlns:p14="http://schemas.microsoft.com/office/powerpoint/2010/main" val="2270194635"/>
       </p:ext>
     </p:extLst>
   </p:cSld>
@@ -12612,28 +12944,14 @@
         <p:spPr/>
         <p:txBody>
           <a:bodyPr>
-            <a:normAutofit fontScale="77500" lnSpcReduction="20000"/>
+            <a:normAutofit fontScale="62500" lnSpcReduction="20000"/>
           </a:bodyPr>
           <a:lstStyle/>
           <a:p>
             <a:pPr lvl="0"/>
             <a:r>
               <a:rPr lang="en-US" dirty="0" smtClean="0"/>
-              <a:t>My overall suggestions for the wiki usage are as follows:</a:t>
-            </a:r>
-          </a:p>
-          <a:p>
-            <a:pPr lvl="1"/>
-            <a:r>
-              <a:rPr lang="en-US" dirty="0" smtClean="0"/>
-              <a:t>Every document should be linked to Wiki, for example a ”collection” page could be created to store the link to all the external resources</a:t>
-            </a:r>
-          </a:p>
-          <a:p>
-            <a:pPr lvl="1"/>
-            <a:r>
-              <a:rPr lang="en-US" dirty="0" smtClean="0"/>
-              <a:t>Major project related documents should be made to the wiki (as an own wiki page or as a link). </a:t>
+              <a:t>There’s no reason why </a:t>
             </a:r>
             <a:r>
               <a:rPr lang="en-US" dirty="0" err="1" smtClean="0"/>
@@ -12641,37 +12959,77 @@
             </a:r>
             <a:r>
               <a:rPr lang="en-US" dirty="0" smtClean="0"/>
-              <a:t> wiki is so sophisticated (checkout the markup!) that every basic text handling activity can be achieved</a:t>
-            </a:r>
-          </a:p>
-          <a:p>
-            <a:pPr lvl="2"/>
-            <a:r>
-              <a:rPr lang="en-US" dirty="0" smtClean="0"/>
-              <a:t>decide what markup notation you use in your wiki and stick with it – on all pages!</a:t>
+              <a:t> wiki shouldn’t be the major information platform</a:t>
+            </a:r>
+          </a:p>
+          <a:p>
+            <a:pPr lvl="0"/>
+            <a:r>
+              <a:rPr lang="en-US" dirty="0" smtClean="0"/>
+              <a:t>However, I’ll only discuss Wiki’s usage related to the RM</a:t>
+            </a:r>
+          </a:p>
+          <a:p>
+            <a:pPr lvl="0"/>
+            <a:r>
+              <a:rPr lang="en-US" dirty="0" smtClean="0"/>
+              <a:t>As mentioned below with the issues, it’s not clear how much information should be written to the issue’s description.</a:t>
             </a:r>
           </a:p>
           <a:p>
             <a:pPr lvl="1"/>
             <a:r>
               <a:rPr lang="en-US" dirty="0" smtClean="0"/>
-              <a:t>A collective page consisting of every preplanned requirement should be established. The form of this page is free, but it should list shortly every requirement. </a:t>
+              <a:t>The bottom line is that by reading only the description a programmer should be able to tell what is wanted</a:t>
             </a:r>
           </a:p>
           <a:p>
             <a:pPr lvl="1"/>
             <a:r>
               <a:rPr lang="en-US" dirty="0" smtClean="0"/>
-              <a:t>Info of a requirement in a wiki and in an issue must not conflict with each other! </a:t>
-            </a:r>
-            <a:endParaRPr lang="en-US" dirty="0"/>
+              <a:t>My own experience is that for every task many, many small details exist, it’s the matter of has anybody considered them that concerns us. Everything cannot be specified without some waste of time, but on the other hand, too vague specs will also waste time (because programmer either needs to figure </a:t>
+            </a:r>
+            <a:r>
+              <a:rPr lang="en-US" dirty="0" smtClean="0"/>
+              <a:t>out the missing stuff </a:t>
+            </a:r>
+            <a:r>
+              <a:rPr lang="en-US" dirty="0" smtClean="0"/>
+              <a:t>by himself or consult somebody). Of course in some cases programmer is given free hands to implement the feature within some </a:t>
+            </a:r>
+            <a:r>
+              <a:rPr lang="en-US" dirty="0" smtClean="0"/>
+              <a:t>borderlines. Vague specs may be accepted in such cases.</a:t>
+            </a:r>
+            <a:endParaRPr lang="en-US" dirty="0" smtClean="0"/>
+          </a:p>
+          <a:p>
+            <a:r>
+              <a:rPr lang="en-US" dirty="0" smtClean="0"/>
+              <a:t>Overall the golden middle way can only be achieved by trial and error</a:t>
+            </a:r>
+            <a:endParaRPr lang="en-US" b="1" dirty="0" smtClean="0"/>
+          </a:p>
+          <a:p>
+            <a:pPr lvl="1"/>
+            <a:r>
+              <a:rPr lang="en-US" dirty="0" smtClean="0"/>
+              <a:t>Check this example issue and its description: </a:t>
+            </a:r>
+            <a:r>
+              <a:rPr lang="en-US" dirty="0" smtClean="0">
+                <a:hlinkClick r:id="rId2"/>
+              </a:rPr>
+              <a:t>https://github.com/Ripppe/GraduRepo/issues/5</a:t>
+            </a:r>
+            <a:endParaRPr lang="en-US" dirty="0" smtClean="0"/>
           </a:p>
         </p:txBody>
       </p:sp>
     </p:spTree>
     <p:extLst>
       <p:ext uri="{BB962C8B-B14F-4D97-AF65-F5344CB8AC3E}">
-        <p14:creationId xmlns:p14="http://schemas.microsoft.com/office/powerpoint/2010/main" val="1206983118"/>
+        <p14:creationId xmlns:p14="http://schemas.microsoft.com/office/powerpoint/2010/main" val="2136421189"/>
       </p:ext>
     </p:extLst>
   </p:cSld>
@@ -12707,7 +13065,7 @@
       </p:grpSpPr>
       <p:sp>
         <p:nvSpPr>
-          <p:cNvPr id="2" name="Title 1"/>
+          <p:cNvPr id="2" name="Otsikko 1"/>
           <p:cNvSpPr>
             <a:spLocks noGrp="1"/>
           </p:cNvSpPr>
@@ -12722,43 +13080,101 @@
           <a:p>
             <a:r>
               <a:rPr lang="en-US" dirty="0" smtClean="0"/>
-              <a:t>Where should </a:t>
+              <a:t>About wiki</a:t>
+            </a:r>
+            <a:endParaRPr lang="en-US" dirty="0"/>
+          </a:p>
+        </p:txBody>
+      </p:sp>
+      <p:sp>
+        <p:nvSpPr>
+          <p:cNvPr id="3" name="Sisällön paikkamerkki 2"/>
+          <p:cNvSpPr>
+            <a:spLocks noGrp="1"/>
+          </p:cNvSpPr>
+          <p:nvPr>
+            <p:ph idx="1"/>
+          </p:nvPr>
+        </p:nvSpPr>
+        <p:spPr/>
+        <p:txBody>
+          <a:bodyPr>
+            <a:normAutofit fontScale="77500" lnSpcReduction="20000"/>
+          </a:bodyPr>
+          <a:lstStyle/>
+          <a:p>
+            <a:pPr lvl="0"/>
+            <a:r>
+              <a:rPr lang="en-US" dirty="0" smtClean="0"/>
+              <a:t>My overall suggestions for the wiki usage are as follows:</a:t>
+            </a:r>
+          </a:p>
+          <a:p>
+            <a:pPr lvl="1"/>
+            <a:r>
+              <a:rPr lang="en-US" dirty="0" smtClean="0"/>
+              <a:t>Every document should be linked to Wiki, for example a ”collection” page could be created to store the link to all the external resources</a:t>
+            </a:r>
+          </a:p>
+          <a:p>
+            <a:pPr lvl="1"/>
+            <a:r>
+              <a:rPr lang="en-US" dirty="0" smtClean="0"/>
+              <a:t>Major project related documents should be made to the wiki (as an own wiki page or as a link). </a:t>
             </a:r>
             <a:r>
               <a:rPr lang="en-US" dirty="0" err="1" smtClean="0"/>
-              <a:t>i</a:t>
-            </a:r>
-            <a:r>
-              <a:rPr lang="en-US" dirty="0" smtClean="0"/>
-              <a:t> start?</a:t>
+              <a:t>GitHub’s</a:t>
+            </a:r>
+            <a:r>
+              <a:rPr lang="en-US" dirty="0" smtClean="0"/>
+              <a:t> wiki is so sophisticated (checkout the markup!) that every basic text handling activity can be achieved</a:t>
+            </a:r>
+          </a:p>
+          <a:p>
+            <a:pPr lvl="2"/>
+            <a:r>
+              <a:rPr lang="en-US" dirty="0"/>
+              <a:t>D</a:t>
+            </a:r>
+            <a:r>
+              <a:rPr lang="en-US" dirty="0" smtClean="0"/>
+              <a:t>ecide </a:t>
+            </a:r>
+            <a:r>
+              <a:rPr lang="en-US" dirty="0" smtClean="0"/>
+              <a:t>what markup notation you use in your wiki and stick with it – on all pages!</a:t>
+            </a:r>
+          </a:p>
+          <a:p>
+            <a:pPr lvl="1"/>
+            <a:r>
+              <a:rPr lang="en-US" dirty="0" smtClean="0"/>
+              <a:t>A collective page consisting of every preplanned </a:t>
+            </a:r>
+            <a:r>
+              <a:rPr lang="en-US" dirty="0" smtClean="0"/>
+              <a:t>requirement, </a:t>
+            </a:r>
+            <a:r>
+              <a:rPr lang="en-US" dirty="0" smtClean="0"/>
+              <a:t>should be established. The form of this page is free, but it should list shortly every requirement. </a:t>
+            </a:r>
+          </a:p>
+          <a:p>
+            <a:pPr lvl="1"/>
+            <a:r>
+              <a:rPr lang="en-US" dirty="0" smtClean="0"/>
+              <a:t>Info of a requirement in a wiki and in an issue must not conflict with each other! </a:t>
             </a:r>
             <a:endParaRPr lang="en-US" dirty="0"/>
-          </a:p>
-        </p:txBody>
-      </p:sp>
-      <p:sp>
-        <p:nvSpPr>
-          <p:cNvPr id="3" name="Text Placeholder 2"/>
-          <p:cNvSpPr>
-            <a:spLocks noGrp="1"/>
-          </p:cNvSpPr>
-          <p:nvPr>
-            <p:ph type="body" idx="1"/>
-          </p:nvPr>
-        </p:nvSpPr>
-        <p:spPr/>
-        <p:txBody>
-          <a:bodyPr/>
-          <a:lstStyle/>
-          <a:p>
-            <a:endParaRPr lang="fi-FI"/>
           </a:p>
         </p:txBody>
       </p:sp>
     </p:spTree>
     <p:extLst>
       <p:ext uri="{BB962C8B-B14F-4D97-AF65-F5344CB8AC3E}">
-        <p14:creationId xmlns:p14="http://schemas.microsoft.com/office/powerpoint/2010/main" val="2510128712"/>
+        <p14:creationId xmlns:p14="http://schemas.microsoft.com/office/powerpoint/2010/main" val="1206983118"/>
       </p:ext>
     </p:extLst>
   </p:cSld>
@@ -12809,7 +13225,15 @@
           <a:p>
             <a:r>
               <a:rPr lang="en-US" dirty="0" smtClean="0"/>
-              <a:t>Steps I recommend</a:t>
+              <a:t>Where should </a:t>
+            </a:r>
+            <a:r>
+              <a:rPr lang="en-US" dirty="0" err="1" smtClean="0"/>
+              <a:t>i</a:t>
+            </a:r>
+            <a:r>
+              <a:rPr lang="en-US" dirty="0" smtClean="0"/>
+              <a:t> start?</a:t>
             </a:r>
             <a:endParaRPr lang="en-US" dirty="0"/>
           </a:p>
@@ -12817,75 +13241,27 @@
       </p:sp>
       <p:sp>
         <p:nvSpPr>
-          <p:cNvPr id="3" name="Content Placeholder 2"/>
-          <p:cNvSpPr>
-            <a:spLocks noGrp="1"/>
-          </p:cNvSpPr>
-          <p:nvPr>
-            <p:ph idx="1"/>
+          <p:cNvPr id="3" name="Text Placeholder 2"/>
+          <p:cNvSpPr>
+            <a:spLocks noGrp="1"/>
+          </p:cNvSpPr>
+          <p:nvPr>
+            <p:ph type="body" idx="1"/>
           </p:nvPr>
         </p:nvSpPr>
         <p:spPr/>
         <p:txBody>
-          <a:bodyPr>
-            <a:normAutofit fontScale="92500" lnSpcReduction="20000"/>
-          </a:bodyPr>
+          <a:bodyPr/>
           <a:lstStyle/>
           <a:p>
-            <a:pPr marL="514350" indent="-514350">
-              <a:buFont typeface="+mj-lt"/>
-              <a:buAutoNum type="arabicPeriod"/>
-            </a:pPr>
-            <a:r>
-              <a:rPr lang="en-US" b="1" dirty="0" smtClean="0"/>
-              <a:t>Get familiar with the </a:t>
-            </a:r>
-            <a:r>
-              <a:rPr lang="en-US" b="1" dirty="0" err="1" smtClean="0"/>
-              <a:t>GitHub</a:t>
-            </a:r>
-            <a:r>
-              <a:rPr lang="en-US" b="1" dirty="0" smtClean="0"/>
-              <a:t> and especially Issues tool before taking this guideline into a practice</a:t>
-            </a:r>
-            <a:endParaRPr lang="en-US" dirty="0" smtClean="0"/>
-          </a:p>
-          <a:p>
-            <a:pPr marL="914400" lvl="1" indent="-514350"/>
-            <a:r>
-              <a:rPr lang="en-US" dirty="0" smtClean="0"/>
-              <a:t>This is imperative! Play around, make dummy labels, make issues, try updating them. Checkout the GFM syntax.</a:t>
-            </a:r>
-          </a:p>
-          <a:p>
-            <a:pPr marL="914400" lvl="1" indent="-514350"/>
-            <a:r>
-              <a:rPr lang="en-US" dirty="0" smtClean="0"/>
-              <a:t>I strongly encourage creating an own repository for you to play with, because once an issue is created, it cannot be deleted (and we don’t want the playground stuff getting into the project’s repo)</a:t>
-            </a:r>
-          </a:p>
-          <a:p>
-            <a:pPr marL="914400" lvl="1" indent="-514350"/>
-            <a:r>
-              <a:rPr lang="en-US" dirty="0" smtClean="0"/>
-              <a:t>You should at least be comfortable with the basics of </a:t>
-            </a:r>
-            <a:r>
-              <a:rPr lang="en-US" dirty="0" err="1" smtClean="0"/>
-              <a:t>GitHub</a:t>
-            </a:r>
-            <a:r>
-              <a:rPr lang="en-US" dirty="0" smtClean="0"/>
-              <a:t> before going forward</a:t>
-            </a:r>
-            <a:endParaRPr lang="en-US" dirty="0"/>
+            <a:endParaRPr lang="fi-FI"/>
           </a:p>
         </p:txBody>
       </p:sp>
     </p:spTree>
     <p:extLst>
       <p:ext uri="{BB962C8B-B14F-4D97-AF65-F5344CB8AC3E}">
-        <p14:creationId xmlns:p14="http://schemas.microsoft.com/office/powerpoint/2010/main" val="2061080378"/>
+        <p14:creationId xmlns:p14="http://schemas.microsoft.com/office/powerpoint/2010/main" val="2510128712"/>
       </p:ext>
     </p:extLst>
   </p:cSld>
@@ -12955,111 +13331,56 @@
         <p:spPr/>
         <p:txBody>
           <a:bodyPr>
-            <a:normAutofit fontScale="77500" lnSpcReduction="20000"/>
+            <a:normAutofit fontScale="92500" lnSpcReduction="20000"/>
           </a:bodyPr>
           <a:lstStyle/>
           <a:p>
             <a:pPr marL="514350" indent="-514350">
               <a:buFont typeface="+mj-lt"/>
-              <a:buAutoNum type="arabicPeriod" startAt="2"/>
+              <a:buAutoNum type="arabicPeriod"/>
             </a:pPr>
             <a:r>
-              <a:rPr lang="en-US" dirty="0" smtClean="0"/>
-              <a:t>Read this hefty manual if you haven’t already done so</a:t>
-            </a:r>
-          </a:p>
-          <a:p>
-            <a:pPr marL="514350" indent="-514350">
-              <a:buFont typeface="+mj-lt"/>
-              <a:buAutoNum type="arabicPeriod" startAt="2"/>
-            </a:pPr>
-            <a:r>
-              <a:rPr lang="en-US" dirty="0" smtClean="0"/>
-              <a:t>Decide the label categories to use</a:t>
-            </a:r>
-          </a:p>
-          <a:p>
-            <a:pPr marL="514350" indent="-514350">
-              <a:buFont typeface="+mj-lt"/>
-              <a:buAutoNum type="arabicPeriod" startAt="2"/>
-            </a:pPr>
-            <a:r>
-              <a:rPr lang="en-US" dirty="0" smtClean="0"/>
-              <a:t>Decide the label color schemes</a:t>
-            </a:r>
-          </a:p>
-          <a:p>
-            <a:pPr marL="514350" indent="-514350">
-              <a:buFont typeface="+mj-lt"/>
-              <a:buAutoNum type="arabicPeriod" startAt="2"/>
-            </a:pPr>
-            <a:r>
-              <a:rPr lang="en-US" dirty="0" smtClean="0"/>
-              <a:t>Decide and create the labels themselves</a:t>
-            </a:r>
+              <a:rPr lang="en-US" b="1" dirty="0" smtClean="0"/>
+              <a:t>Get familiar with the </a:t>
+            </a:r>
+            <a:r>
+              <a:rPr lang="en-US" b="1" dirty="0" err="1" smtClean="0"/>
+              <a:t>GitHub</a:t>
+            </a:r>
+            <a:r>
+              <a:rPr lang="en-US" b="1" dirty="0" smtClean="0"/>
+              <a:t> and especially Issues tool before taking this guideline into a practice</a:t>
+            </a:r>
+            <a:endParaRPr lang="en-US" dirty="0" smtClean="0"/>
           </a:p>
           <a:p>
             <a:pPr marL="914400" lvl="1" indent="-514350"/>
             <a:r>
               <a:rPr lang="en-US" dirty="0" smtClean="0"/>
-              <a:t>This includes the prefix and naming</a:t>
-            </a:r>
-          </a:p>
-          <a:p>
-            <a:pPr marL="514350" indent="-514350">
-              <a:buFont typeface="+mj-lt"/>
-              <a:buAutoNum type="arabicPeriod" startAt="6"/>
-            </a:pPr>
-            <a:r>
-              <a:rPr lang="en-US" dirty="0" smtClean="0"/>
-              <a:t>Create issues for the requirements</a:t>
-            </a:r>
-          </a:p>
-          <a:p>
-            <a:pPr marL="514350" indent="-514350">
-              <a:buFont typeface="+mj-lt"/>
-              <a:buAutoNum type="arabicPeriod" startAt="6"/>
-            </a:pPr>
-            <a:r>
-              <a:rPr lang="en-US" dirty="0" smtClean="0"/>
-              <a:t>Decide the initial tasks (including sub tasks and task lists) and create them</a:t>
-            </a:r>
-          </a:p>
-          <a:p>
-            <a:pPr marL="514350" indent="-514350">
-              <a:buFont typeface="+mj-lt"/>
-              <a:buAutoNum type="arabicPeriod" startAt="6"/>
-            </a:pPr>
-            <a:r>
-              <a:rPr lang="en-US" dirty="0" smtClean="0"/>
-              <a:t>Decide and create milestones if needed</a:t>
-            </a:r>
-          </a:p>
-          <a:p>
-            <a:pPr marL="514350" indent="-514350">
-              <a:buFont typeface="+mj-lt"/>
-              <a:buAutoNum type="arabicPeriod" startAt="6"/>
-            </a:pPr>
-            <a:r>
-              <a:rPr lang="en-US" dirty="0" smtClean="0"/>
-              <a:t>Make a collection page to the wiki (usually this is the Homepage with links to the other wiki pages)</a:t>
-            </a:r>
-          </a:p>
-          <a:p>
-            <a:pPr marL="514350" indent="-514350">
-              <a:buFont typeface="+mj-lt"/>
-              <a:buAutoNum type="arabicPeriod" startAt="6"/>
-            </a:pPr>
-            <a:r>
-              <a:rPr lang="en-US" dirty="0" smtClean="0"/>
-              <a:t>Start using the guideline!</a:t>
-            </a:r>
-          </a:p>
-          <a:p>
-            <a:pPr marL="514350" indent="-514350">
-              <a:buFont typeface="+mj-lt"/>
-              <a:buAutoNum type="arabicPeriod" startAt="5"/>
-            </a:pPr>
+              <a:t>This is imperative! Play around, make dummy labels, make issues, try updating them. Checkout the GFM syntax.</a:t>
+            </a:r>
+          </a:p>
+          <a:p>
+            <a:pPr marL="914400" lvl="1" indent="-514350"/>
+            <a:r>
+              <a:rPr lang="en-US" dirty="0" smtClean="0"/>
+              <a:t>I strongly encourage creating an own repository for you to play with, because once an issue is created, it cannot be deleted (and we don’t want the playground stuff getting into the project’s repo)</a:t>
+            </a:r>
+          </a:p>
+          <a:p>
+            <a:pPr marL="914400" lvl="1" indent="-514350"/>
+            <a:r>
+              <a:rPr lang="en-US" dirty="0" smtClean="0"/>
+              <a:t>You should at least be comfortable with the basics of </a:t>
+            </a:r>
+            <a:r>
+              <a:rPr lang="en-US" dirty="0" err="1" smtClean="0"/>
+              <a:t>GitHub</a:t>
+            </a:r>
+            <a:r>
+              <a:rPr lang="en-US" dirty="0" smtClean="0"/>
+              <a:t> before going forward</a:t>
+            </a:r>
             <a:endParaRPr lang="en-US" dirty="0"/>
           </a:p>
         </p:txBody>
@@ -13067,7 +13388,7 @@
     </p:spTree>
     <p:extLst>
       <p:ext uri="{BB962C8B-B14F-4D97-AF65-F5344CB8AC3E}">
-        <p14:creationId xmlns:p14="http://schemas.microsoft.com/office/powerpoint/2010/main" val="862941012"/>
+        <p14:creationId xmlns:p14="http://schemas.microsoft.com/office/powerpoint/2010/main" val="2061080378"/>
       </p:ext>
     </p:extLst>
   </p:cSld>
@@ -13141,7 +13462,15 @@
           <a:p>
             <a:r>
               <a:rPr lang="en-US" dirty="0" smtClean="0"/>
-              <a:t>My goal is to create a guideline how to handle the managing using purely </a:t>
+              <a:t>My goal is to create a guideline how to handle the </a:t>
+            </a:r>
+            <a:r>
+              <a:rPr lang="en-US" dirty="0" smtClean="0"/>
+              <a:t>requirement managing </a:t>
+            </a:r>
+            <a:r>
+              <a:rPr lang="en-US" dirty="0" smtClean="0"/>
+              <a:t>using purely </a:t>
             </a:r>
             <a:r>
               <a:rPr lang="en-US" dirty="0" err="1" smtClean="0"/>
@@ -13215,6 +13544,188 @@
           <a:p>
             <a:r>
               <a:rPr lang="en-US" dirty="0" smtClean="0"/>
+              <a:t>Steps I recommend</a:t>
+            </a:r>
+            <a:endParaRPr lang="en-US" dirty="0"/>
+          </a:p>
+        </p:txBody>
+      </p:sp>
+      <p:sp>
+        <p:nvSpPr>
+          <p:cNvPr id="3" name="Content Placeholder 2"/>
+          <p:cNvSpPr>
+            <a:spLocks noGrp="1"/>
+          </p:cNvSpPr>
+          <p:nvPr>
+            <p:ph idx="1"/>
+          </p:nvPr>
+        </p:nvSpPr>
+        <p:spPr/>
+        <p:txBody>
+          <a:bodyPr>
+            <a:normAutofit fontScale="77500" lnSpcReduction="20000"/>
+          </a:bodyPr>
+          <a:lstStyle/>
+          <a:p>
+            <a:pPr marL="514350" indent="-514350">
+              <a:buFont typeface="+mj-lt"/>
+              <a:buAutoNum type="arabicPeriod" startAt="2"/>
+            </a:pPr>
+            <a:r>
+              <a:rPr lang="en-US" dirty="0" smtClean="0"/>
+              <a:t>Read this hefty manual if you haven’t already done so</a:t>
+            </a:r>
+          </a:p>
+          <a:p>
+            <a:pPr marL="514350" indent="-514350">
+              <a:buFont typeface="+mj-lt"/>
+              <a:buAutoNum type="arabicPeriod" startAt="2"/>
+            </a:pPr>
+            <a:r>
+              <a:rPr lang="en-US" dirty="0" smtClean="0"/>
+              <a:t>Decide the label categories to use</a:t>
+            </a:r>
+          </a:p>
+          <a:p>
+            <a:pPr marL="514350" indent="-514350">
+              <a:buFont typeface="+mj-lt"/>
+              <a:buAutoNum type="arabicPeriod" startAt="2"/>
+            </a:pPr>
+            <a:r>
+              <a:rPr lang="en-US" dirty="0" smtClean="0"/>
+              <a:t>Decide the label color schemes</a:t>
+            </a:r>
+          </a:p>
+          <a:p>
+            <a:pPr marL="514350" indent="-514350">
+              <a:buFont typeface="+mj-lt"/>
+              <a:buAutoNum type="arabicPeriod" startAt="2"/>
+            </a:pPr>
+            <a:r>
+              <a:rPr lang="en-US" dirty="0" smtClean="0"/>
+              <a:t>Decide and create the labels themselves</a:t>
+            </a:r>
+          </a:p>
+          <a:p>
+            <a:pPr marL="914400" lvl="1" indent="-514350"/>
+            <a:r>
+              <a:rPr lang="en-US" dirty="0" smtClean="0"/>
+              <a:t>This includes the prefix and naming</a:t>
+            </a:r>
+          </a:p>
+          <a:p>
+            <a:pPr marL="514350" indent="-514350">
+              <a:buFont typeface="+mj-lt"/>
+              <a:buAutoNum type="arabicPeriod" startAt="6"/>
+            </a:pPr>
+            <a:r>
+              <a:rPr lang="en-US" dirty="0" smtClean="0"/>
+              <a:t>Create issues for the requirements</a:t>
+            </a:r>
+          </a:p>
+          <a:p>
+            <a:pPr marL="514350" indent="-514350">
+              <a:buFont typeface="+mj-lt"/>
+              <a:buAutoNum type="arabicPeriod" startAt="6"/>
+            </a:pPr>
+            <a:r>
+              <a:rPr lang="en-US" dirty="0" smtClean="0"/>
+              <a:t>Decide the initial tasks (including sub tasks and task lists) and create them</a:t>
+            </a:r>
+          </a:p>
+          <a:p>
+            <a:pPr marL="514350" indent="-514350">
+              <a:buFont typeface="+mj-lt"/>
+              <a:buAutoNum type="arabicPeriod" startAt="6"/>
+            </a:pPr>
+            <a:r>
+              <a:rPr lang="en-US" dirty="0" smtClean="0"/>
+              <a:t>Decide and create milestones if needed</a:t>
+            </a:r>
+          </a:p>
+          <a:p>
+            <a:pPr marL="514350" indent="-514350">
+              <a:buFont typeface="+mj-lt"/>
+              <a:buAutoNum type="arabicPeriod" startAt="6"/>
+            </a:pPr>
+            <a:r>
+              <a:rPr lang="en-US" dirty="0" smtClean="0"/>
+              <a:t>Make a collection page to the wiki (usually this is the Homepage with links to the other wiki pages)</a:t>
+            </a:r>
+          </a:p>
+          <a:p>
+            <a:pPr marL="514350" indent="-514350">
+              <a:buFont typeface="+mj-lt"/>
+              <a:buAutoNum type="arabicPeriod" startAt="6"/>
+            </a:pPr>
+            <a:r>
+              <a:rPr lang="en-US" dirty="0" smtClean="0"/>
+              <a:t>Start using the guideline!</a:t>
+            </a:r>
+          </a:p>
+          <a:p>
+            <a:pPr marL="514350" indent="-514350">
+              <a:buFont typeface="+mj-lt"/>
+              <a:buAutoNum type="arabicPeriod" startAt="5"/>
+            </a:pPr>
+            <a:endParaRPr lang="en-US" dirty="0"/>
+          </a:p>
+        </p:txBody>
+      </p:sp>
+    </p:spTree>
+    <p:extLst>
+      <p:ext uri="{BB962C8B-B14F-4D97-AF65-F5344CB8AC3E}">
+        <p14:creationId xmlns:p14="http://schemas.microsoft.com/office/powerpoint/2010/main" val="862941012"/>
+      </p:ext>
+    </p:extLst>
+  </p:cSld>
+  <p:clrMapOvr>
+    <a:masterClrMapping/>
+  </p:clrMapOvr>
+  <p:timing>
+    <p:tnLst>
+      <p:par>
+        <p:cTn id="1" dur="indefinite" restart="never" nodeType="tmRoot"/>
+      </p:par>
+    </p:tnLst>
+  </p:timing>
+</p:sld>
+</file>
+
+<file path=ppt/slides/slide51.xml><?xml version="1.0" encoding="utf-8"?>
+<p:sld xmlns:a="http://schemas.openxmlformats.org/drawingml/2006/main" xmlns:r="http://schemas.openxmlformats.org/officeDocument/2006/relationships" xmlns:p="http://schemas.openxmlformats.org/presentationml/2006/main">
+  <p:cSld>
+    <p:spTree>
+      <p:nvGrpSpPr>
+        <p:cNvPr id="1" name=""/>
+        <p:cNvGrpSpPr/>
+        <p:nvPr/>
+      </p:nvGrpSpPr>
+      <p:grpSpPr>
+        <a:xfrm>
+          <a:off x="0" y="0"/>
+          <a:ext cx="0" cy="0"/>
+          <a:chOff x="0" y="0"/>
+          <a:chExt cx="0" cy="0"/>
+        </a:xfrm>
+      </p:grpSpPr>
+      <p:sp>
+        <p:nvSpPr>
+          <p:cNvPr id="2" name="Title 1"/>
+          <p:cNvSpPr>
+            <a:spLocks noGrp="1"/>
+          </p:cNvSpPr>
+          <p:nvPr>
+            <p:ph type="title"/>
+          </p:nvPr>
+        </p:nvSpPr>
+        <p:spPr/>
+        <p:txBody>
+          <a:bodyPr/>
+          <a:lstStyle/>
+          <a:p>
+            <a:r>
+              <a:rPr lang="en-US" dirty="0" smtClean="0"/>
               <a:t>Finally</a:t>
             </a:r>
             <a:endParaRPr lang="en-US" dirty="0"/>
@@ -13354,8 +13865,21 @@
           <a:p>
             <a:r>
               <a:rPr lang="en-US" dirty="0" smtClean="0"/>
-              <a:t>Other aspects are the version control itself (especially the commits &amp; pushes) and the wiki part</a:t>
-            </a:r>
+              <a:t>Other </a:t>
+            </a:r>
+            <a:r>
+              <a:rPr lang="en-US" dirty="0" smtClean="0"/>
+              <a:t>items are </a:t>
+            </a:r>
+            <a:r>
+              <a:rPr lang="en-US" dirty="0" smtClean="0"/>
+              <a:t>the version control itself (especially the commits &amp; pushes) and the </a:t>
+            </a:r>
+            <a:r>
+              <a:rPr lang="en-US" dirty="0" smtClean="0"/>
+              <a:t>wiki</a:t>
+            </a:r>
+            <a:endParaRPr lang="en-US" dirty="0" smtClean="0"/>
           </a:p>
           <a:p>
             <a:r>
@@ -13457,7 +13981,15 @@
           <a:p>
             <a:r>
               <a:rPr lang="en-US" dirty="0" smtClean="0"/>
-              <a:t>Somebody with an interest and (at least little) experience to help take the best out of </a:t>
+              <a:t>Somebody with an interest and (at least little) experience to </a:t>
+            </a:r>
+            <a:r>
+              <a:rPr lang="en-US" dirty="0" smtClean="0"/>
+              <a:t>help to </a:t>
+            </a:r>
+            <a:r>
+              <a:rPr lang="en-US" dirty="0" smtClean="0"/>
+              <a:t>take the best out of </a:t>
             </a:r>
             <a:r>
               <a:rPr lang="en-US" dirty="0" err="1" smtClean="0"/>
@@ -13475,22 +14007,53 @@
             <a:pPr lvl="1"/>
             <a:r>
               <a:rPr lang="en-US" dirty="0" smtClean="0"/>
-              <a:t>A word of an advice: I’m not trying to obstruct the way you work, but rather try to aim it in a certain direction</a:t>
+              <a:t>A word of an advice: I’m not trying to obstruct the way you work, but rather </a:t>
+            </a:r>
+            <a:r>
+              <a:rPr lang="en-US" dirty="0" smtClean="0"/>
+              <a:t>aim it </a:t>
+            </a:r>
+            <a:r>
+              <a:rPr lang="en-US" dirty="0" smtClean="0"/>
+              <a:t>in a certain direction</a:t>
             </a:r>
           </a:p>
           <a:p>
             <a:pPr lvl="1"/>
             <a:r>
               <a:rPr lang="en-US" dirty="0" smtClean="0"/>
-              <a:t>The guideline is not carved in stone, if necessary it will be progressed iteratively to achieve the best result</a:t>
-            </a:r>
-          </a:p>
-          <a:p>
-            <a:r>
-              <a:rPr lang="en-US" dirty="0" smtClean="0"/>
-              <a:t>The guideline will bring better visibility to the project, enhance the requirement handling and give a sense of a control, which unfortunately in many cases is lacking badly</a:t>
-            </a:r>
-            <a:endParaRPr lang="en-US" dirty="0" smtClean="0"/>
+              <a:t>The guideline is not carved in stone, if </a:t>
+            </a:r>
+            <a:r>
+              <a:rPr lang="en-US" dirty="0" smtClean="0"/>
+              <a:t>necessary, </a:t>
+            </a:r>
+            <a:r>
+              <a:rPr lang="en-US" dirty="0" smtClean="0"/>
+              <a:t>it will be </a:t>
+            </a:r>
+            <a:r>
+              <a:rPr lang="en-US" dirty="0" smtClean="0"/>
+              <a:t>updated iteratively </a:t>
+            </a:r>
+            <a:r>
+              <a:rPr lang="en-US" dirty="0" smtClean="0"/>
+              <a:t>to achieve the best result</a:t>
+            </a:r>
+          </a:p>
+          <a:p>
+            <a:r>
+              <a:rPr lang="en-US" dirty="0" smtClean="0"/>
+              <a:t>The guideline will bring better visibility to the project, enhance the </a:t>
+            </a:r>
+            <a:r>
+              <a:rPr lang="en-US" dirty="0" smtClean="0"/>
+              <a:t>requirements </a:t>
+            </a:r>
+            <a:r>
+              <a:rPr lang="en-US" dirty="0" smtClean="0"/>
+              <a:t>handling and give a sense of a control, which unfortunately in many cases is lacking badly</a:t>
+            </a:r>
           </a:p>
         </p:txBody>
       </p:sp>
@@ -13667,12 +14230,12 @@
           <a:lstStyle/>
           <a:p>
             <a:r>
-              <a:rPr lang="en-US" dirty="0" err="1" smtClean="0"/>
-              <a:t>Encouragment</a:t>
-            </a:r>
-            <a:r>
-              <a:rPr lang="en-US" dirty="0" smtClean="0"/>
-              <a:t> speech</a:t>
+              <a:rPr lang="en-US" dirty="0" smtClean="0"/>
+              <a:t>Encouragement </a:t>
+            </a:r>
+            <a:r>
+              <a:rPr lang="en-US" dirty="0" smtClean="0"/>
+              <a:t>speech</a:t>
             </a:r>
             <a:endParaRPr lang="en-US" dirty="0"/>
           </a:p>
@@ -13726,7 +14289,23 @@
             <a:pPr lvl="1"/>
             <a:r>
               <a:rPr lang="en-US" dirty="0" smtClean="0"/>
-              <a:t>Sometimes this can and will lead to individual situations where practices established feel like nonsense to some particular person</a:t>
+              <a:t>Sometimes this </a:t>
+            </a:r>
+            <a:r>
+              <a:rPr lang="en-US" dirty="0" smtClean="0"/>
+              <a:t>can - </a:t>
+            </a:r>
+            <a:r>
+              <a:rPr lang="en-US" dirty="0" smtClean="0"/>
+              <a:t>and </a:t>
+            </a:r>
+            <a:r>
+              <a:rPr lang="en-US" dirty="0" smtClean="0"/>
+              <a:t>will - </a:t>
+            </a:r>
+            <a:r>
+              <a:rPr lang="en-US" dirty="0" smtClean="0"/>
+              <a:t>lead to individual situations where practices established feel like nonsense to some particular person</a:t>
             </a:r>
           </a:p>
           <a:p>
@@ -13735,7 +14314,6 @@
               <a:rPr lang="en-US" dirty="0" smtClean="0"/>
               <a:t>But don’t give it up! It will be worth it.</a:t>
             </a:r>
-            <a:endParaRPr lang="en-US" dirty="0" smtClean="0"/>
           </a:p>
         </p:txBody>
       </p:sp>

--- a/Managing requirements in GitHub.pptx
+++ b/Managing requirements in GitHub.pptx
@@ -1229,6 +1229,43 @@
         </a:p>
       </dgm:t>
     </dgm:pt>
+    <dgm:pt modelId="{37B6CB26-394B-4A0E-9EF5-A9D37E8C8791}">
+      <dgm:prSet phldrT="[Teksti]"/>
+      <dgm:spPr/>
+      <dgm:t>
+        <a:bodyPr/>
+        <a:lstStyle/>
+        <a:p>
+          <a:r>
+            <a:rPr lang="en-US" noProof="0" smtClean="0"/>
+            <a:t>Main task</a:t>
+          </a:r>
+          <a:endParaRPr lang="en-US" noProof="0" dirty="0"/>
+        </a:p>
+      </dgm:t>
+    </dgm:pt>
+    <dgm:pt modelId="{FF97E3E3-E919-4693-BBDB-A4EEF7406AA1}" type="parTrans" cxnId="{82BB20CA-43A7-4681-9481-AB182E487184}">
+      <dgm:prSet/>
+      <dgm:spPr/>
+      <dgm:t>
+        <a:bodyPr/>
+        <a:lstStyle/>
+        <a:p>
+          <a:endParaRPr lang="fi-FI"/>
+        </a:p>
+      </dgm:t>
+    </dgm:pt>
+    <dgm:pt modelId="{A185793B-D737-48D5-ABC2-5DD969B56F2D}" type="sibTrans" cxnId="{82BB20CA-43A7-4681-9481-AB182E487184}">
+      <dgm:prSet/>
+      <dgm:spPr/>
+      <dgm:t>
+        <a:bodyPr/>
+        <a:lstStyle/>
+        <a:p>
+          <a:endParaRPr lang="fi-FI"/>
+        </a:p>
+      </dgm:t>
+    </dgm:pt>
     <dgm:pt modelId="{DCA8F3E1-CA5C-47AF-87CC-3D050C1ED6F9}" type="pres">
       <dgm:prSet presAssocID="{D7FD4793-E6A2-4D9C-8FA8-86118D99876D}" presName="hierChild1" presStyleCnt="0">
         <dgm:presLayoutVars>
@@ -1280,7 +1317,7 @@
       <dgm:spPr/>
     </dgm:pt>
     <dgm:pt modelId="{CEF1B9D0-8DE9-4F09-8598-92D4898634C1}" type="pres">
-      <dgm:prSet presAssocID="{62F3F319-C6D8-4818-A784-1CEE379988EA}" presName="Name10" presStyleLbl="parChTrans1D2" presStyleIdx="0" presStyleCnt="2"/>
+      <dgm:prSet presAssocID="{62F3F319-C6D8-4818-A784-1CEE379988EA}" presName="Name10" presStyleLbl="parChTrans1D2" presStyleIdx="0" presStyleCnt="3"/>
       <dgm:spPr/>
       <dgm:t>
         <a:bodyPr/>
@@ -1299,11 +1336,11 @@
       <dgm:spPr/>
     </dgm:pt>
     <dgm:pt modelId="{AC3CFBAF-20C4-4D35-89C7-9C4D04D584C1}" type="pres">
-      <dgm:prSet presAssocID="{43C3DEA2-1BF6-472D-8649-132AC9BA90D9}" presName="background2" presStyleLbl="node2" presStyleIdx="0" presStyleCnt="2"/>
+      <dgm:prSet presAssocID="{43C3DEA2-1BF6-472D-8649-132AC9BA90D9}" presName="background2" presStyleLbl="node2" presStyleIdx="0" presStyleCnt="3"/>
       <dgm:spPr/>
     </dgm:pt>
     <dgm:pt modelId="{2FB2FB0D-A494-4B41-8C72-9081809662D2}" type="pres">
-      <dgm:prSet presAssocID="{43C3DEA2-1BF6-472D-8649-132AC9BA90D9}" presName="text2" presStyleLbl="fgAcc2" presStyleIdx="0" presStyleCnt="2">
+      <dgm:prSet presAssocID="{43C3DEA2-1BF6-472D-8649-132AC9BA90D9}" presName="text2" presStyleLbl="fgAcc2" presStyleIdx="0" presStyleCnt="3">
         <dgm:presLayoutVars>
           <dgm:chPref val="3"/>
         </dgm:presLayoutVars>
@@ -1489,6 +1526,41 @@
       <dgm:prSet presAssocID="{B9D0CAF7-9981-4EDB-AA63-3D554CF8AEEC}" presName="hierChild4" presStyleCnt="0"/>
       <dgm:spPr/>
     </dgm:pt>
+    <dgm:pt modelId="{917DF844-009A-4A3A-B1EB-CC3A493B8BD4}" type="pres">
+      <dgm:prSet presAssocID="{FF97E3E3-E919-4693-BBDB-A4EEF7406AA1}" presName="Name10" presStyleLbl="parChTrans1D2" presStyleIdx="1" presStyleCnt="3"/>
+      <dgm:spPr/>
+    </dgm:pt>
+    <dgm:pt modelId="{59C4B5E5-B168-4D8F-808B-FACA960401DC}" type="pres">
+      <dgm:prSet presAssocID="{37B6CB26-394B-4A0E-9EF5-A9D37E8C8791}" presName="hierRoot2" presStyleCnt="0"/>
+      <dgm:spPr/>
+    </dgm:pt>
+    <dgm:pt modelId="{A8B1299A-ED3C-47AA-9DE4-900B2A12BC56}" type="pres">
+      <dgm:prSet presAssocID="{37B6CB26-394B-4A0E-9EF5-A9D37E8C8791}" presName="composite2" presStyleCnt="0"/>
+      <dgm:spPr/>
+    </dgm:pt>
+    <dgm:pt modelId="{E60C5EFB-9FF9-43D6-8CFA-B0C51560AFEE}" type="pres">
+      <dgm:prSet presAssocID="{37B6CB26-394B-4A0E-9EF5-A9D37E8C8791}" presName="background2" presStyleLbl="node2" presStyleIdx="1" presStyleCnt="3"/>
+      <dgm:spPr/>
+    </dgm:pt>
+    <dgm:pt modelId="{04010B99-BE73-4766-9F49-5145B4B51335}" type="pres">
+      <dgm:prSet presAssocID="{37B6CB26-394B-4A0E-9EF5-A9D37E8C8791}" presName="text2" presStyleLbl="fgAcc2" presStyleIdx="1" presStyleCnt="3">
+        <dgm:presLayoutVars>
+          <dgm:chPref val="3"/>
+        </dgm:presLayoutVars>
+      </dgm:prSet>
+      <dgm:spPr/>
+      <dgm:t>
+        <a:bodyPr/>
+        <a:lstStyle/>
+        <a:p>
+          <a:endParaRPr lang="fi-FI"/>
+        </a:p>
+      </dgm:t>
+    </dgm:pt>
+    <dgm:pt modelId="{BD825427-4E7D-4BA5-A55A-61ED6C84BAC2}" type="pres">
+      <dgm:prSet presAssocID="{37B6CB26-394B-4A0E-9EF5-A9D37E8C8791}" presName="hierChild3" presStyleCnt="0"/>
+      <dgm:spPr/>
+    </dgm:pt>
     <dgm:pt modelId="{D809741D-A926-49D7-803B-4327C17F4440}" type="pres">
       <dgm:prSet presAssocID="{1935632D-7CF0-4B7A-908D-7931428A6032}" presName="hierRoot1" presStyleCnt="0"/>
       <dgm:spPr/>
@@ -1521,7 +1593,7 @@
       <dgm:spPr/>
     </dgm:pt>
     <dgm:pt modelId="{586BF831-C84B-4975-8487-EB8260E2F7B7}" type="pres">
-      <dgm:prSet presAssocID="{E5533B47-1942-469B-BBA7-03E706313E00}" presName="Name10" presStyleLbl="parChTrans1D2" presStyleIdx="1" presStyleCnt="2"/>
+      <dgm:prSet presAssocID="{E5533B47-1942-469B-BBA7-03E706313E00}" presName="Name10" presStyleLbl="parChTrans1D2" presStyleIdx="2" presStyleCnt="3"/>
       <dgm:spPr/>
       <dgm:t>
         <a:bodyPr/>
@@ -1540,11 +1612,11 @@
       <dgm:spPr/>
     </dgm:pt>
     <dgm:pt modelId="{8DB90BE2-9F8D-4A98-8D55-7E4D6E478029}" type="pres">
-      <dgm:prSet presAssocID="{58C0894C-AC1B-4ED0-8CF6-371B9FABA048}" presName="background2" presStyleLbl="node2" presStyleIdx="1" presStyleCnt="2"/>
+      <dgm:prSet presAssocID="{58C0894C-AC1B-4ED0-8CF6-371B9FABA048}" presName="background2" presStyleLbl="node2" presStyleIdx="2" presStyleCnt="3"/>
       <dgm:spPr/>
     </dgm:pt>
     <dgm:pt modelId="{0B230DB5-48CB-474E-B034-3CAC4B457FAF}" type="pres">
-      <dgm:prSet presAssocID="{58C0894C-AC1B-4ED0-8CF6-371B9FABA048}" presName="text2" presStyleLbl="fgAcc2" presStyleIdx="1" presStyleCnt="2" custLinFactY="49608" custLinFactNeighborX="73444" custLinFactNeighborY="100000">
+      <dgm:prSet presAssocID="{58C0894C-AC1B-4ED0-8CF6-371B9FABA048}" presName="text2" presStyleLbl="fgAcc2" presStyleIdx="2" presStyleCnt="3" custLinFactY="49608" custLinFactNeighborX="73444" custLinFactNeighborY="100000">
         <dgm:presLayoutVars>
           <dgm:chPref val="3"/>
         </dgm:presLayoutVars>
@@ -1564,29 +1636,32 @@
     </dgm:pt>
   </dgm:ptLst>
   <dgm:cxnLst>
+    <dgm:cxn modelId="{95B1721B-3290-48CD-9F61-266BDA36CCBC}" srcId="{69FFCC8B-6A88-446F-B20C-1C6581450BA7}" destId="{55BA5546-CAC7-420F-8D7F-C180643ED4D0}" srcOrd="0" destOrd="0" parTransId="{B6AB90C1-9099-4810-8BD9-D73776866625}" sibTransId="{428E28DC-C4F7-49B3-85B5-AA68AA4756F2}"/>
+    <dgm:cxn modelId="{590725DC-5A60-43CD-BE1B-BC266D696897}" type="presOf" srcId="{B6AB90C1-9099-4810-8BD9-D73776866625}" destId="{90528169-D90E-4C8C-9315-2FB2EB320491}" srcOrd="0" destOrd="0" presId="urn:microsoft.com/office/officeart/2005/8/layout/hierarchy1"/>
+    <dgm:cxn modelId="{DD5A3B8C-C718-43E4-93FB-FE7663AB8DE5}" type="presOf" srcId="{FF97E3E3-E919-4693-BBDB-A4EEF7406AA1}" destId="{917DF844-009A-4A3A-B1EB-CC3A493B8BD4}" srcOrd="0" destOrd="0" presId="urn:microsoft.com/office/officeart/2005/8/layout/hierarchy1"/>
+    <dgm:cxn modelId="{AE10FCA9-D0EF-45CC-ACBD-E8538D371565}" type="presOf" srcId="{F003194D-D19F-420C-8C63-978073D7D601}" destId="{A442CC77-AB3D-4827-B7B4-3FBD279B7EB4}" srcOrd="0" destOrd="0" presId="urn:microsoft.com/office/officeart/2005/8/layout/hierarchy1"/>
+    <dgm:cxn modelId="{187CCA27-DFF3-4AB2-897E-9E56B835F2C4}" type="presOf" srcId="{62F3F319-C6D8-4818-A784-1CEE379988EA}" destId="{CEF1B9D0-8DE9-4F09-8598-92D4898634C1}" srcOrd="0" destOrd="0" presId="urn:microsoft.com/office/officeart/2005/8/layout/hierarchy1"/>
+    <dgm:cxn modelId="{1BB5123B-5927-4AE2-980D-E77E6421EB72}" type="presOf" srcId="{64E6C1E9-6FCA-4B71-80D9-B5B99B3F92A4}" destId="{6917F44B-3172-4FE7-8F54-609920AAA13E}" srcOrd="0" destOrd="0" presId="urn:microsoft.com/office/officeart/2005/8/layout/hierarchy1"/>
+    <dgm:cxn modelId="{5692F4DE-4EA4-48D1-8F7F-D584FCDCC9D7}" type="presOf" srcId="{D7FD4793-E6A2-4D9C-8FA8-86118D99876D}" destId="{DCA8F3E1-CA5C-47AF-87CC-3D050C1ED6F9}" srcOrd="0" destOrd="0" presId="urn:microsoft.com/office/officeart/2005/8/layout/hierarchy1"/>
+    <dgm:cxn modelId="{9537D08B-CB4A-4F6B-B0C7-9B10B67FE164}" srcId="{43C3DEA2-1BF6-472D-8649-132AC9BA90D9}" destId="{B9D0CAF7-9981-4EDB-AA63-3D554CF8AEEC}" srcOrd="1" destOrd="0" parTransId="{9928818A-2B37-4FCB-AF9C-BCD35CD61996}" sibTransId="{E307ABC8-353F-4EF4-AB68-FB16FA3E8844}"/>
+    <dgm:cxn modelId="{444F6465-179C-432C-8F74-41160B38DAC2}" srcId="{1935632D-7CF0-4B7A-908D-7931428A6032}" destId="{58C0894C-AC1B-4ED0-8CF6-371B9FABA048}" srcOrd="0" destOrd="0" parTransId="{E5533B47-1942-469B-BBA7-03E706313E00}" sibTransId="{AFF1825F-B371-4DBA-9CDB-DFBF2A039DE0}"/>
+    <dgm:cxn modelId="{189DA54C-7090-4741-9E06-3FE7E152A559}" type="presOf" srcId="{69FFCC8B-6A88-446F-B20C-1C6581450BA7}" destId="{C1898D5C-7A9F-4E70-9A8A-1B713BD476D7}" srcOrd="0" destOrd="0" presId="urn:microsoft.com/office/officeart/2005/8/layout/hierarchy1"/>
+    <dgm:cxn modelId="{2A6574CE-08EE-4628-A67A-5E55068597E7}" type="presOf" srcId="{2C656249-89F7-43FD-8B1C-20C9750832DD}" destId="{B9E3082E-AAB8-4055-9404-68F2B1B991C5}" srcOrd="0" destOrd="0" presId="urn:microsoft.com/office/officeart/2005/8/layout/hierarchy1"/>
+    <dgm:cxn modelId="{CECFCF44-6CBA-45DB-A4BA-483936873846}" srcId="{D7FD4793-E6A2-4D9C-8FA8-86118D99876D}" destId="{1935632D-7CF0-4B7A-908D-7931428A6032}" srcOrd="1" destOrd="0" parTransId="{AD8D0B5B-2AE2-41D2-9A14-13479DCCBBB5}" sibTransId="{6A3966D6-8351-4259-98FE-227E1FA47164}"/>
     <dgm:cxn modelId="{30661CBB-A0C6-4BE2-A716-75084B1675E4}" srcId="{43C3DEA2-1BF6-472D-8649-132AC9BA90D9}" destId="{69FFCC8B-6A88-446F-B20C-1C6581450BA7}" srcOrd="0" destOrd="0" parTransId="{2C656249-89F7-43FD-8B1C-20C9750832DD}" sibTransId="{496657EF-F54A-42B9-8E41-321BC2CD2217}"/>
+    <dgm:cxn modelId="{90F4DBDB-CDCC-4CC4-B171-F9BF7170C781}" srcId="{8ABADED7-8383-45A8-A698-B34BDBCE18DF}" destId="{43C3DEA2-1BF6-472D-8649-132AC9BA90D9}" srcOrd="0" destOrd="0" parTransId="{62F3F319-C6D8-4818-A784-1CEE379988EA}" sibTransId="{0A51BAB7-8D91-44B8-8FC9-B9C6EE77D728}"/>
+    <dgm:cxn modelId="{3C62590B-92D6-45DA-A7D0-D40D8F39978A}" type="presOf" srcId="{1935632D-7CF0-4B7A-908D-7931428A6032}" destId="{DE4CF686-882B-4052-B75A-84DCD8EF6340}" srcOrd="0" destOrd="0" presId="urn:microsoft.com/office/officeart/2005/8/layout/hierarchy1"/>
     <dgm:cxn modelId="{9E1FC187-0887-49F3-9CAE-EC98BAF66407}" type="presOf" srcId="{58C0894C-AC1B-4ED0-8CF6-371B9FABA048}" destId="{0B230DB5-48CB-474E-B034-3CAC4B457FAF}" srcOrd="0" destOrd="0" presId="urn:microsoft.com/office/officeart/2005/8/layout/hierarchy1"/>
-    <dgm:cxn modelId="{5692F4DE-4EA4-48D1-8F7F-D584FCDCC9D7}" type="presOf" srcId="{D7FD4793-E6A2-4D9C-8FA8-86118D99876D}" destId="{DCA8F3E1-CA5C-47AF-87CC-3D050C1ED6F9}" srcOrd="0" destOrd="0" presId="urn:microsoft.com/office/officeart/2005/8/layout/hierarchy1"/>
-    <dgm:cxn modelId="{CECFCF44-6CBA-45DB-A4BA-483936873846}" srcId="{D7FD4793-E6A2-4D9C-8FA8-86118D99876D}" destId="{1935632D-7CF0-4B7A-908D-7931428A6032}" srcOrd="1" destOrd="0" parTransId="{AD8D0B5B-2AE2-41D2-9A14-13479DCCBBB5}" sibTransId="{6A3966D6-8351-4259-98FE-227E1FA47164}"/>
+    <dgm:cxn modelId="{4C97BEF9-8B97-45F9-ACAE-9CEBD761A774}" type="presOf" srcId="{8ABADED7-8383-45A8-A698-B34BDBCE18DF}" destId="{8915CCB8-61BC-492E-A75D-9B831D451D5C}" srcOrd="0" destOrd="0" presId="urn:microsoft.com/office/officeart/2005/8/layout/hierarchy1"/>
+    <dgm:cxn modelId="{82BB20CA-43A7-4681-9481-AB182E487184}" srcId="{8ABADED7-8383-45A8-A698-B34BDBCE18DF}" destId="{37B6CB26-394B-4A0E-9EF5-A9D37E8C8791}" srcOrd="1" destOrd="0" parTransId="{FF97E3E3-E919-4693-BBDB-A4EEF7406AA1}" sibTransId="{A185793B-D737-48D5-ABC2-5DD969B56F2D}"/>
+    <dgm:cxn modelId="{CF5472F3-4A88-4B00-B310-C950B9EAE44F}" type="presOf" srcId="{37B6CB26-394B-4A0E-9EF5-A9D37E8C8791}" destId="{04010B99-BE73-4766-9F49-5145B4B51335}" srcOrd="0" destOrd="0" presId="urn:microsoft.com/office/officeart/2005/8/layout/hierarchy1"/>
+    <dgm:cxn modelId="{F9422EF7-1468-4AF6-B03F-BC6246DB3423}" type="presOf" srcId="{E5533B47-1942-469B-BBA7-03E706313E00}" destId="{586BF831-C84B-4975-8487-EB8260E2F7B7}" srcOrd="0" destOrd="0" presId="urn:microsoft.com/office/officeart/2005/8/layout/hierarchy1"/>
+    <dgm:cxn modelId="{7183F6DF-0D0F-4235-B960-979F12B29699}" type="presOf" srcId="{9928818A-2B37-4FCB-AF9C-BCD35CD61996}" destId="{9B748F30-ACFA-4D2F-9769-1D15DC9B42E6}" srcOrd="0" destOrd="0" presId="urn:microsoft.com/office/officeart/2005/8/layout/hierarchy1"/>
     <dgm:cxn modelId="{2B074358-FA81-4750-BE59-F6235DAFBE4C}" type="presOf" srcId="{43C3DEA2-1BF6-472D-8649-132AC9BA90D9}" destId="{2FB2FB0D-A494-4B41-8C72-9081809662D2}" srcOrd="0" destOrd="0" presId="urn:microsoft.com/office/officeart/2005/8/layout/hierarchy1"/>
-    <dgm:cxn modelId="{95B1721B-3290-48CD-9F61-266BDA36CCBC}" srcId="{69FFCC8B-6A88-446F-B20C-1C6581450BA7}" destId="{55BA5546-CAC7-420F-8D7F-C180643ED4D0}" srcOrd="0" destOrd="0" parTransId="{B6AB90C1-9099-4810-8BD9-D73776866625}" sibTransId="{428E28DC-C4F7-49B3-85B5-AA68AA4756F2}"/>
-    <dgm:cxn modelId="{3C62590B-92D6-45DA-A7D0-D40D8F39978A}" type="presOf" srcId="{1935632D-7CF0-4B7A-908D-7931428A6032}" destId="{DE4CF686-882B-4052-B75A-84DCD8EF6340}" srcOrd="0" destOrd="0" presId="urn:microsoft.com/office/officeart/2005/8/layout/hierarchy1"/>
     <dgm:cxn modelId="{7CBCE51C-302F-436B-AB4D-9060D3A52074}" type="presOf" srcId="{B9D0CAF7-9981-4EDB-AA63-3D554CF8AEEC}" destId="{ADD4005A-1762-4253-8F40-38ACE091CB86}" srcOrd="0" destOrd="0" presId="urn:microsoft.com/office/officeart/2005/8/layout/hierarchy1"/>
-    <dgm:cxn modelId="{4C97BEF9-8B97-45F9-ACAE-9CEBD761A774}" type="presOf" srcId="{8ABADED7-8383-45A8-A698-B34BDBCE18DF}" destId="{8915CCB8-61BC-492E-A75D-9B831D451D5C}" srcOrd="0" destOrd="0" presId="urn:microsoft.com/office/officeart/2005/8/layout/hierarchy1"/>
-    <dgm:cxn modelId="{444F6465-179C-432C-8F74-41160B38DAC2}" srcId="{1935632D-7CF0-4B7A-908D-7931428A6032}" destId="{58C0894C-AC1B-4ED0-8CF6-371B9FABA048}" srcOrd="0" destOrd="0" parTransId="{E5533B47-1942-469B-BBA7-03E706313E00}" sibTransId="{AFF1825F-B371-4DBA-9CDB-DFBF2A039DE0}"/>
-    <dgm:cxn modelId="{590725DC-5A60-43CD-BE1B-BC266D696897}" type="presOf" srcId="{B6AB90C1-9099-4810-8BD9-D73776866625}" destId="{90528169-D90E-4C8C-9315-2FB2EB320491}" srcOrd="0" destOrd="0" presId="urn:microsoft.com/office/officeart/2005/8/layout/hierarchy1"/>
+    <dgm:cxn modelId="{8E8DA86C-2006-42A5-89B3-F340FC40036C}" srcId="{69FFCC8B-6A88-446F-B20C-1C6581450BA7}" destId="{64E6C1E9-6FCA-4B71-80D9-B5B99B3F92A4}" srcOrd="1" destOrd="0" parTransId="{F003194D-D19F-420C-8C63-978073D7D601}" sibTransId="{07C77514-2B02-4BAC-8741-404ACC946918}"/>
     <dgm:cxn modelId="{4CE7394D-4CE9-427D-8A11-1AF8B68D8D3C}" type="presOf" srcId="{55BA5546-CAC7-420F-8D7F-C180643ED4D0}" destId="{917935E0-8942-4FC7-B037-12E4F02A8499}" srcOrd="0" destOrd="0" presId="urn:microsoft.com/office/officeart/2005/8/layout/hierarchy1"/>
-    <dgm:cxn modelId="{189DA54C-7090-4741-9E06-3FE7E152A559}" type="presOf" srcId="{69FFCC8B-6A88-446F-B20C-1C6581450BA7}" destId="{C1898D5C-7A9F-4E70-9A8A-1B713BD476D7}" srcOrd="0" destOrd="0" presId="urn:microsoft.com/office/officeart/2005/8/layout/hierarchy1"/>
     <dgm:cxn modelId="{18EC21E4-E1F7-4F72-B4F1-A02A2E0FBCBD}" srcId="{D7FD4793-E6A2-4D9C-8FA8-86118D99876D}" destId="{8ABADED7-8383-45A8-A698-B34BDBCE18DF}" srcOrd="0" destOrd="0" parTransId="{EF9EC443-6FAC-412E-B037-F0009A02186A}" sibTransId="{25173C66-828E-4FCA-8D7D-67F60EB94DB0}"/>
-    <dgm:cxn modelId="{1BB5123B-5927-4AE2-980D-E77E6421EB72}" type="presOf" srcId="{64E6C1E9-6FCA-4B71-80D9-B5B99B3F92A4}" destId="{6917F44B-3172-4FE7-8F54-609920AAA13E}" srcOrd="0" destOrd="0" presId="urn:microsoft.com/office/officeart/2005/8/layout/hierarchy1"/>
-    <dgm:cxn modelId="{7183F6DF-0D0F-4235-B960-979F12B29699}" type="presOf" srcId="{9928818A-2B37-4FCB-AF9C-BCD35CD61996}" destId="{9B748F30-ACFA-4D2F-9769-1D15DC9B42E6}" srcOrd="0" destOrd="0" presId="urn:microsoft.com/office/officeart/2005/8/layout/hierarchy1"/>
-    <dgm:cxn modelId="{187CCA27-DFF3-4AB2-897E-9E56B835F2C4}" type="presOf" srcId="{62F3F319-C6D8-4818-A784-1CEE379988EA}" destId="{CEF1B9D0-8DE9-4F09-8598-92D4898634C1}" srcOrd="0" destOrd="0" presId="urn:microsoft.com/office/officeart/2005/8/layout/hierarchy1"/>
-    <dgm:cxn modelId="{90F4DBDB-CDCC-4CC4-B171-F9BF7170C781}" srcId="{8ABADED7-8383-45A8-A698-B34BDBCE18DF}" destId="{43C3DEA2-1BF6-472D-8649-132AC9BA90D9}" srcOrd="0" destOrd="0" parTransId="{62F3F319-C6D8-4818-A784-1CEE379988EA}" sibTransId="{0A51BAB7-8D91-44B8-8FC9-B9C6EE77D728}"/>
-    <dgm:cxn modelId="{2A6574CE-08EE-4628-A67A-5E55068597E7}" type="presOf" srcId="{2C656249-89F7-43FD-8B1C-20C9750832DD}" destId="{B9E3082E-AAB8-4055-9404-68F2B1B991C5}" srcOrd="0" destOrd="0" presId="urn:microsoft.com/office/officeart/2005/8/layout/hierarchy1"/>
-    <dgm:cxn modelId="{AE10FCA9-D0EF-45CC-ACBD-E8538D371565}" type="presOf" srcId="{F003194D-D19F-420C-8C63-978073D7D601}" destId="{A442CC77-AB3D-4827-B7B4-3FBD279B7EB4}" srcOrd="0" destOrd="0" presId="urn:microsoft.com/office/officeart/2005/8/layout/hierarchy1"/>
-    <dgm:cxn modelId="{F9422EF7-1468-4AF6-B03F-BC6246DB3423}" type="presOf" srcId="{E5533B47-1942-469B-BBA7-03E706313E00}" destId="{586BF831-C84B-4975-8487-EB8260E2F7B7}" srcOrd="0" destOrd="0" presId="urn:microsoft.com/office/officeart/2005/8/layout/hierarchy1"/>
-    <dgm:cxn modelId="{8E8DA86C-2006-42A5-89B3-F340FC40036C}" srcId="{69FFCC8B-6A88-446F-B20C-1C6581450BA7}" destId="{64E6C1E9-6FCA-4B71-80D9-B5B99B3F92A4}" srcOrd="1" destOrd="0" parTransId="{F003194D-D19F-420C-8C63-978073D7D601}" sibTransId="{07C77514-2B02-4BAC-8741-404ACC946918}"/>
-    <dgm:cxn modelId="{9537D08B-CB4A-4F6B-B0C7-9B10B67FE164}" srcId="{43C3DEA2-1BF6-472D-8649-132AC9BA90D9}" destId="{B9D0CAF7-9981-4EDB-AA63-3D554CF8AEEC}" srcOrd="1" destOrd="0" parTransId="{9928818A-2B37-4FCB-AF9C-BCD35CD61996}" sibTransId="{E307ABC8-353F-4EF4-AB68-FB16FA3E8844}"/>
     <dgm:cxn modelId="{F7EBE7BD-75F7-4518-AD85-3CC545B99F78}" type="presParOf" srcId="{DCA8F3E1-CA5C-47AF-87CC-3D050C1ED6F9}" destId="{EA8B92A7-52A4-4A08-BEEE-3CCEF5A4D157}" srcOrd="0" destOrd="0" presId="urn:microsoft.com/office/officeart/2005/8/layout/hierarchy1"/>
     <dgm:cxn modelId="{F91FC73D-F656-410B-A0B9-706C5A569D41}" type="presParOf" srcId="{EA8B92A7-52A4-4A08-BEEE-3CCEF5A4D157}" destId="{8B7A1EB5-CD56-4438-80A1-CC2832CED657}" srcOrd="0" destOrd="0" presId="urn:microsoft.com/office/officeart/2005/8/layout/hierarchy1"/>
     <dgm:cxn modelId="{0CDB66EF-2D79-4C61-9649-E4745069A97F}" type="presParOf" srcId="{8B7A1EB5-CD56-4438-80A1-CC2832CED657}" destId="{0E997C18-F5F9-46BE-93D4-525AB36EAE8A}" srcOrd="0" destOrd="0" presId="urn:microsoft.com/office/officeart/2005/8/layout/hierarchy1"/>
@@ -1622,6 +1697,12 @@
     <dgm:cxn modelId="{A3381078-A1B7-475D-A917-77CD096BE506}" type="presParOf" srcId="{18D43269-10C1-41E2-ABC6-2BDB4A38A2DB}" destId="{1263DC3A-395E-4646-943D-E39C8ECCAF58}" srcOrd="0" destOrd="0" presId="urn:microsoft.com/office/officeart/2005/8/layout/hierarchy1"/>
     <dgm:cxn modelId="{500C61C3-2C5E-4D7C-9948-ECC150CBAC9F}" type="presParOf" srcId="{18D43269-10C1-41E2-ABC6-2BDB4A38A2DB}" destId="{ADD4005A-1762-4253-8F40-38ACE091CB86}" srcOrd="1" destOrd="0" presId="urn:microsoft.com/office/officeart/2005/8/layout/hierarchy1"/>
     <dgm:cxn modelId="{D3D3B881-52C5-4F21-831C-FCCC8C463B37}" type="presParOf" srcId="{5EA2D63A-BD54-4151-9555-A1316347FDD7}" destId="{85731EF1-6E95-4A56-93E0-EF2080ABE4ED}" srcOrd="1" destOrd="0" presId="urn:microsoft.com/office/officeart/2005/8/layout/hierarchy1"/>
+    <dgm:cxn modelId="{0FC8BA15-3135-4BD8-BD28-392729AA7CC9}" type="presParOf" srcId="{AB842A35-1339-4354-B93D-A90AF11B7D53}" destId="{917DF844-009A-4A3A-B1EB-CC3A493B8BD4}" srcOrd="2" destOrd="0" presId="urn:microsoft.com/office/officeart/2005/8/layout/hierarchy1"/>
+    <dgm:cxn modelId="{F2EE13FB-0439-4154-8B09-FDDBAC3F925C}" type="presParOf" srcId="{AB842A35-1339-4354-B93D-A90AF11B7D53}" destId="{59C4B5E5-B168-4D8F-808B-FACA960401DC}" srcOrd="3" destOrd="0" presId="urn:microsoft.com/office/officeart/2005/8/layout/hierarchy1"/>
+    <dgm:cxn modelId="{9DEC145D-1F1F-4266-AD51-77BE81293AD2}" type="presParOf" srcId="{59C4B5E5-B168-4D8F-808B-FACA960401DC}" destId="{A8B1299A-ED3C-47AA-9DE4-900B2A12BC56}" srcOrd="0" destOrd="0" presId="urn:microsoft.com/office/officeart/2005/8/layout/hierarchy1"/>
+    <dgm:cxn modelId="{CBF4E848-0913-4EB2-91F3-36E6D0148F3E}" type="presParOf" srcId="{A8B1299A-ED3C-47AA-9DE4-900B2A12BC56}" destId="{E60C5EFB-9FF9-43D6-8CFA-B0C51560AFEE}" srcOrd="0" destOrd="0" presId="urn:microsoft.com/office/officeart/2005/8/layout/hierarchy1"/>
+    <dgm:cxn modelId="{B907DE58-184E-4E5C-9CD6-8C4307928C43}" type="presParOf" srcId="{A8B1299A-ED3C-47AA-9DE4-900B2A12BC56}" destId="{04010B99-BE73-4766-9F49-5145B4B51335}" srcOrd="1" destOrd="0" presId="urn:microsoft.com/office/officeart/2005/8/layout/hierarchy1"/>
+    <dgm:cxn modelId="{08DF0B45-509F-451C-A0A9-C1B6897E1434}" type="presParOf" srcId="{59C4B5E5-B168-4D8F-808B-FACA960401DC}" destId="{BD825427-4E7D-4BA5-A55A-61ED6C84BAC2}" srcOrd="1" destOrd="0" presId="urn:microsoft.com/office/officeart/2005/8/layout/hierarchy1"/>
     <dgm:cxn modelId="{E204BC00-9FAF-4CFA-95F3-948B8FB07A2D}" type="presParOf" srcId="{DCA8F3E1-CA5C-47AF-87CC-3D050C1ED6F9}" destId="{D809741D-A926-49D7-803B-4327C17F4440}" srcOrd="1" destOrd="0" presId="urn:microsoft.com/office/officeart/2005/8/layout/hierarchy1"/>
     <dgm:cxn modelId="{8B2AC521-8969-4612-892D-3D02B0A20614}" type="presParOf" srcId="{D809741D-A926-49D7-803B-4327C17F4440}" destId="{B6E5F80F-C15D-4862-886E-18AF734749E9}" srcOrd="0" destOrd="0" presId="urn:microsoft.com/office/officeart/2005/8/layout/hierarchy1"/>
     <dgm:cxn modelId="{10C33A55-E22A-40B6-A744-BAE4D5CFC890}" type="presParOf" srcId="{B6E5F80F-C15D-4862-886E-18AF734749E9}" destId="{6726F995-D8E5-4A01-8E9F-FEBD313E150D}" srcOrd="0" destOrd="0" presId="urn:microsoft.com/office/officeart/2005/8/layout/hierarchy1"/>
@@ -1659,7 +1740,7 @@
       </dsp:nvSpPr>
       <dsp:spPr>
         <a:xfrm>
-          <a:off x="6513283" y="853312"/>
+          <a:off x="7298973" y="853312"/>
           <a:ext cx="91440" cy="1559856"/>
         </a:xfrm>
         <a:custGeom>
@@ -1707,6 +1788,67 @@
         <a:fontRef idx="minor"/>
       </dsp:style>
     </dsp:sp>
+    <dsp:sp modelId="{917DF844-009A-4A3A-B1EB-CC3A493B8BD4}">
+      <dsp:nvSpPr>
+        <dsp:cNvPr id="0" name=""/>
+        <dsp:cNvSpPr/>
+      </dsp:nvSpPr>
+      <dsp:spPr>
+        <a:xfrm>
+          <a:off x="4043373" y="817848"/>
+          <a:ext cx="785689" cy="373916"/>
+        </a:xfrm>
+        <a:custGeom>
+          <a:avLst/>
+          <a:gdLst/>
+          <a:ahLst/>
+          <a:cxnLst/>
+          <a:rect l="0" t="0" r="0" b="0"/>
+          <a:pathLst>
+            <a:path>
+              <a:moveTo>
+                <a:pt x="0" y="0"/>
+              </a:moveTo>
+              <a:lnTo>
+                <a:pt x="0" y="254813"/>
+              </a:lnTo>
+              <a:lnTo>
+                <a:pt x="785689" y="254813"/>
+              </a:lnTo>
+              <a:lnTo>
+                <a:pt x="785689" y="373916"/>
+              </a:lnTo>
+            </a:path>
+          </a:pathLst>
+        </a:custGeom>
+        <a:noFill/>
+        <a:ln w="25400" cap="flat" cmpd="sng" algn="ctr">
+          <a:solidFill>
+            <a:schemeClr val="accent1">
+              <a:shade val="60000"/>
+              <a:hueOff val="0"/>
+              <a:satOff val="0"/>
+              <a:lumOff val="0"/>
+              <a:alphaOff val="0"/>
+            </a:schemeClr>
+          </a:solidFill>
+          <a:prstDash val="solid"/>
+        </a:ln>
+        <a:effectLst/>
+      </dsp:spPr>
+      <dsp:style>
+        <a:lnRef idx="2">
+          <a:scrgbClr r="0" g="0" b="0"/>
+        </a:lnRef>
+        <a:fillRef idx="0">
+          <a:scrgbClr r="0" g="0" b="0"/>
+        </a:fillRef>
+        <a:effectRef idx="0">
+          <a:scrgbClr r="0" g="0" b="0"/>
+        </a:effectRef>
+        <a:fontRef idx="minor"/>
+      </dsp:style>
+    </dsp:sp>
     <dsp:sp modelId="{9B748F30-ACFA-4D2F-9769-1D15DC9B42E6}">
       <dsp:nvSpPr>
         <dsp:cNvPr id="0" name=""/>
@@ -1714,7 +1856,7 @@
       </dsp:nvSpPr>
       <dsp:spPr>
         <a:xfrm>
-          <a:off x="4043373" y="2008168"/>
+          <a:off x="3257683" y="2008168"/>
           <a:ext cx="785689" cy="373916"/>
         </a:xfrm>
         <a:custGeom>
@@ -1775,7 +1917,7 @@
       </dsp:nvSpPr>
       <dsp:spPr>
         <a:xfrm>
-          <a:off x="3257683" y="3198487"/>
+          <a:off x="2471994" y="3198487"/>
           <a:ext cx="785689" cy="373916"/>
         </a:xfrm>
         <a:custGeom>
@@ -1836,7 +1978,7 @@
       </dsp:nvSpPr>
       <dsp:spPr>
         <a:xfrm>
-          <a:off x="2471994" y="3198487"/>
+          <a:off x="1686304" y="3198487"/>
           <a:ext cx="785689" cy="373916"/>
         </a:xfrm>
         <a:custGeom>
@@ -1897,7 +2039,7 @@
       </dsp:nvSpPr>
       <dsp:spPr>
         <a:xfrm>
-          <a:off x="3257683" y="2008168"/>
+          <a:off x="2471994" y="2008168"/>
           <a:ext cx="785689" cy="373916"/>
         </a:xfrm>
         <a:custGeom>
@@ -1958,8 +2100,8 @@
       </dsp:nvSpPr>
       <dsp:spPr>
         <a:xfrm>
-          <a:off x="3997653" y="817848"/>
-          <a:ext cx="91440" cy="373916"/>
+          <a:off x="3257683" y="817848"/>
+          <a:ext cx="785689" cy="373916"/>
         </a:xfrm>
         <a:custGeom>
           <a:avLst/>
@@ -1970,10 +2112,16 @@
           <a:pathLst>
             <a:path>
               <a:moveTo>
-                <a:pt x="45720" y="0"/>
+                <a:pt x="785689" y="0"/>
               </a:moveTo>
               <a:lnTo>
-                <a:pt x="45720" y="373916"/>
+                <a:pt x="785689" y="254813"/>
+              </a:lnTo>
+              <a:lnTo>
+                <a:pt x="0" y="254813"/>
+              </a:lnTo>
+              <a:lnTo>
+                <a:pt x="0" y="373916"/>
               </a:lnTo>
             </a:path>
           </a:pathLst>
@@ -2142,7 +2290,7 @@
       </dsp:nvSpPr>
       <dsp:spPr>
         <a:xfrm>
-          <a:off x="3400536" y="1191764"/>
+          <a:off x="2614846" y="1191764"/>
           <a:ext cx="1285674" cy="816403"/>
         </a:xfrm>
         <a:prstGeom prst="roundRect">
@@ -2193,7 +2341,7 @@
       </dsp:nvSpPr>
       <dsp:spPr>
         <a:xfrm>
-          <a:off x="3543389" y="1327475"/>
+          <a:off x="2757699" y="1327475"/>
           <a:ext cx="1285674" cy="816403"/>
         </a:xfrm>
         <a:prstGeom prst="roundRect">
@@ -2260,7 +2408,7 @@
         </a:p>
       </dsp:txBody>
       <dsp:txXfrm>
-        <a:off x="3567301" y="1351387"/>
+        <a:off x="2781611" y="1351387"/>
         <a:ext cx="1237850" cy="768579"/>
       </dsp:txXfrm>
     </dsp:sp>
@@ -2271,7 +2419,7 @@
       </dsp:nvSpPr>
       <dsp:spPr>
         <a:xfrm>
-          <a:off x="2614846" y="2382084"/>
+          <a:off x="1829157" y="2382084"/>
           <a:ext cx="1285674" cy="816403"/>
         </a:xfrm>
         <a:prstGeom prst="roundRect">
@@ -2322,7 +2470,7 @@
       </dsp:nvSpPr>
       <dsp:spPr>
         <a:xfrm>
-          <a:off x="2757699" y="2517794"/>
+          <a:off x="1972009" y="2517794"/>
           <a:ext cx="1285674" cy="816403"/>
         </a:xfrm>
         <a:prstGeom prst="roundRect">
@@ -2389,7 +2537,7 @@
         </a:p>
       </dsp:txBody>
       <dsp:txXfrm>
-        <a:off x="2781611" y="2541706"/>
+        <a:off x="1995921" y="2541706"/>
         <a:ext cx="1237850" cy="768579"/>
       </dsp:txXfrm>
     </dsp:sp>
@@ -2400,7 +2548,7 @@
       </dsp:nvSpPr>
       <dsp:spPr>
         <a:xfrm>
-          <a:off x="1829157" y="3572404"/>
+          <a:off x="1043467" y="3572404"/>
           <a:ext cx="1285674" cy="816403"/>
         </a:xfrm>
         <a:prstGeom prst="roundRect">
@@ -2451,7 +2599,7 @@
       </dsp:nvSpPr>
       <dsp:spPr>
         <a:xfrm>
-          <a:off x="1972009" y="3708114"/>
+          <a:off x="1186320" y="3708114"/>
           <a:ext cx="1285674" cy="816403"/>
         </a:xfrm>
         <a:prstGeom prst="roundRect">
@@ -2518,7 +2666,7 @@
         </a:p>
       </dsp:txBody>
       <dsp:txXfrm>
-        <a:off x="1995921" y="3732026"/>
+        <a:off x="1210232" y="3732026"/>
         <a:ext cx="1237850" cy="768579"/>
       </dsp:txXfrm>
     </dsp:sp>
@@ -2529,7 +2677,7 @@
       </dsp:nvSpPr>
       <dsp:spPr>
         <a:xfrm>
-          <a:off x="3400536" y="3572404"/>
+          <a:off x="2614846" y="3572404"/>
           <a:ext cx="1285674" cy="816403"/>
         </a:xfrm>
         <a:prstGeom prst="roundRect">
@@ -2580,7 +2728,7 @@
       </dsp:nvSpPr>
       <dsp:spPr>
         <a:xfrm>
-          <a:off x="3543389" y="3708114"/>
+          <a:off x="2757699" y="3708114"/>
           <a:ext cx="1285674" cy="816403"/>
         </a:xfrm>
         <a:prstGeom prst="roundRect">
@@ -2647,7 +2795,7 @@
         </a:p>
       </dsp:txBody>
       <dsp:txXfrm>
-        <a:off x="3567301" y="3732026"/>
+        <a:off x="2781611" y="3732026"/>
         <a:ext cx="1237850" cy="768579"/>
       </dsp:txXfrm>
     </dsp:sp>
@@ -2658,7 +2806,7 @@
       </dsp:nvSpPr>
       <dsp:spPr>
         <a:xfrm>
-          <a:off x="4186226" y="2382084"/>
+          <a:off x="3400536" y="2382084"/>
           <a:ext cx="1285674" cy="816403"/>
         </a:xfrm>
         <a:prstGeom prst="roundRect">
@@ -2709,7 +2857,7 @@
       </dsp:nvSpPr>
       <dsp:spPr>
         <a:xfrm>
-          <a:off x="4329079" y="2517794"/>
+          <a:off x="3543389" y="2517794"/>
           <a:ext cx="1285674" cy="816403"/>
         </a:xfrm>
         <a:prstGeom prst="roundRect">
@@ -2776,7 +2924,136 @@
         </a:p>
       </dsp:txBody>
       <dsp:txXfrm>
-        <a:off x="4352991" y="2541706"/>
+        <a:off x="3567301" y="2541706"/>
+        <a:ext cx="1237850" cy="768579"/>
+      </dsp:txXfrm>
+    </dsp:sp>
+    <dsp:sp modelId="{E60C5EFB-9FF9-43D6-8CFA-B0C51560AFEE}">
+      <dsp:nvSpPr>
+        <dsp:cNvPr id="0" name=""/>
+        <dsp:cNvSpPr/>
+      </dsp:nvSpPr>
+      <dsp:spPr>
+        <a:xfrm>
+          <a:off x="4186226" y="1191764"/>
+          <a:ext cx="1285674" cy="816403"/>
+        </a:xfrm>
+        <a:prstGeom prst="roundRect">
+          <a:avLst>
+            <a:gd name="adj" fmla="val 10000"/>
+          </a:avLst>
+        </a:prstGeom>
+        <a:solidFill>
+          <a:schemeClr val="accent1">
+            <a:hueOff val="0"/>
+            <a:satOff val="0"/>
+            <a:lumOff val="0"/>
+            <a:alphaOff val="0"/>
+          </a:schemeClr>
+        </a:solidFill>
+        <a:ln w="25400" cap="flat" cmpd="sng" algn="ctr">
+          <a:solidFill>
+            <a:schemeClr val="lt1">
+              <a:hueOff val="0"/>
+              <a:satOff val="0"/>
+              <a:lumOff val="0"/>
+              <a:alphaOff val="0"/>
+            </a:schemeClr>
+          </a:solidFill>
+          <a:prstDash val="solid"/>
+        </a:ln>
+        <a:effectLst/>
+      </dsp:spPr>
+      <dsp:style>
+        <a:lnRef idx="2">
+          <a:scrgbClr r="0" g="0" b="0"/>
+        </a:lnRef>
+        <a:fillRef idx="1">
+          <a:scrgbClr r="0" g="0" b="0"/>
+        </a:fillRef>
+        <a:effectRef idx="0">
+          <a:scrgbClr r="0" g="0" b="0"/>
+        </a:effectRef>
+        <a:fontRef idx="minor">
+          <a:schemeClr val="lt1"/>
+        </a:fontRef>
+      </dsp:style>
+    </dsp:sp>
+    <dsp:sp modelId="{04010B99-BE73-4766-9F49-5145B4B51335}">
+      <dsp:nvSpPr>
+        <dsp:cNvPr id="0" name=""/>
+        <dsp:cNvSpPr/>
+      </dsp:nvSpPr>
+      <dsp:spPr>
+        <a:xfrm>
+          <a:off x="4329079" y="1327475"/>
+          <a:ext cx="1285674" cy="816403"/>
+        </a:xfrm>
+        <a:prstGeom prst="roundRect">
+          <a:avLst>
+            <a:gd name="adj" fmla="val 10000"/>
+          </a:avLst>
+        </a:prstGeom>
+        <a:solidFill>
+          <a:schemeClr val="lt1">
+            <a:alpha val="90000"/>
+            <a:hueOff val="0"/>
+            <a:satOff val="0"/>
+            <a:lumOff val="0"/>
+            <a:alphaOff val="0"/>
+          </a:schemeClr>
+        </a:solidFill>
+        <a:ln w="25400" cap="flat" cmpd="sng" algn="ctr">
+          <a:solidFill>
+            <a:schemeClr val="accent1">
+              <a:hueOff val="0"/>
+              <a:satOff val="0"/>
+              <a:lumOff val="0"/>
+              <a:alphaOff val="0"/>
+            </a:schemeClr>
+          </a:solidFill>
+          <a:prstDash val="solid"/>
+        </a:ln>
+        <a:effectLst/>
+      </dsp:spPr>
+      <dsp:style>
+        <a:lnRef idx="2">
+          <a:scrgbClr r="0" g="0" b="0"/>
+        </a:lnRef>
+        <a:fillRef idx="1">
+          <a:scrgbClr r="0" g="0" b="0"/>
+        </a:fillRef>
+        <a:effectRef idx="0">
+          <a:scrgbClr r="0" g="0" b="0"/>
+        </a:effectRef>
+        <a:fontRef idx="minor"/>
+      </dsp:style>
+      <dsp:txBody>
+        <a:bodyPr spcFirstLastPara="0" vert="horz" wrap="square" lIns="60960" tIns="60960" rIns="60960" bIns="60960" numCol="1" spcCol="1270" anchor="ctr" anchorCtr="0">
+          <a:noAutofit/>
+        </a:bodyPr>
+        <a:lstStyle/>
+        <a:p>
+          <a:pPr lvl="0" algn="ctr" defTabSz="711200">
+            <a:lnSpc>
+              <a:spcPct val="90000"/>
+            </a:lnSpc>
+            <a:spcBef>
+              <a:spcPct val="0"/>
+            </a:spcBef>
+            <a:spcAft>
+              <a:spcPct val="35000"/>
+            </a:spcAft>
+          </a:pPr>
+          <a:r>
+            <a:rPr lang="en-US" sz="1600" kern="1200" noProof="0" smtClean="0"/>
+            <a:t>Main task</a:t>
+          </a:r>
+          <a:endParaRPr lang="en-US" sz="1600" kern="1200" noProof="0" dirty="0"/>
+        </a:p>
+      </dsp:txBody>
+      <dsp:txXfrm>
+        <a:off x="4352991" y="1351387"/>
         <a:ext cx="1237850" cy="768579"/>
       </dsp:txXfrm>
     </dsp:sp>
@@ -2787,7 +3064,7 @@
       </dsp:nvSpPr>
       <dsp:spPr>
         <a:xfrm>
-          <a:off x="5916166" y="36909"/>
+          <a:off x="6701856" y="36909"/>
           <a:ext cx="1285674" cy="816403"/>
         </a:xfrm>
         <a:prstGeom prst="roundRect">
@@ -2838,7 +3115,7 @@
       </dsp:nvSpPr>
       <dsp:spPr>
         <a:xfrm>
-          <a:off x="6059019" y="172619"/>
+          <a:off x="6844708" y="172619"/>
           <a:ext cx="1285674" cy="816403"/>
         </a:xfrm>
         <a:prstGeom prst="roundRect">
@@ -2905,7 +3182,7 @@
         </a:p>
       </dsp:txBody>
       <dsp:txXfrm>
-        <a:off x="6082931" y="196531"/>
+        <a:off x="6868620" y="196531"/>
         <a:ext cx="1237850" cy="768579"/>
       </dsp:txXfrm>
     </dsp:sp>
@@ -2916,7 +3193,7 @@
       </dsp:nvSpPr>
       <dsp:spPr>
         <a:xfrm>
-          <a:off x="5916166" y="2413169"/>
+          <a:off x="6701856" y="2413169"/>
           <a:ext cx="1285674" cy="816403"/>
         </a:xfrm>
         <a:prstGeom prst="roundRect">
@@ -2967,7 +3244,7 @@
       </dsp:nvSpPr>
       <dsp:spPr>
         <a:xfrm>
-          <a:off x="6059019" y="2548879"/>
+          <a:off x="6844708" y="2548879"/>
           <a:ext cx="1285674" cy="816403"/>
         </a:xfrm>
         <a:prstGeom prst="roundRect">
@@ -3034,7 +3311,7 @@
         </a:p>
       </dsp:txBody>
       <dsp:txXfrm>
-        <a:off x="6082931" y="2572791"/>
+        <a:off x="6868620" y="2572791"/>
         <a:ext cx="1237850" cy="768579"/>
       </dsp:txXfrm>
     </dsp:sp>
@@ -4820,7 +5097,7 @@
           <a:p>
             <a:fld id="{ADF0FE8D-29FE-47E2-BBB2-E7BA162F2437}" type="datetimeFigureOut">
               <a:rPr lang="fi-FI" smtClean="0"/>
-              <a:t>21.11.2013</a:t>
+              <a:t>22.11.2013</a:t>
             </a:fld>
             <a:endParaRPr lang="fi-FI" dirty="0"/>
           </a:p>
@@ -4990,7 +5267,7 @@
           <a:p>
             <a:fld id="{ADF0FE8D-29FE-47E2-BBB2-E7BA162F2437}" type="datetimeFigureOut">
               <a:rPr lang="fi-FI" smtClean="0"/>
-              <a:t>21.11.2013</a:t>
+              <a:t>22.11.2013</a:t>
             </a:fld>
             <a:endParaRPr lang="fi-FI" dirty="0"/>
           </a:p>
@@ -5170,7 +5447,7 @@
           <a:p>
             <a:fld id="{ADF0FE8D-29FE-47E2-BBB2-E7BA162F2437}" type="datetimeFigureOut">
               <a:rPr lang="fi-FI" smtClean="0"/>
-              <a:t>21.11.2013</a:t>
+              <a:t>22.11.2013</a:t>
             </a:fld>
             <a:endParaRPr lang="fi-FI" dirty="0"/>
           </a:p>
@@ -5340,7 +5617,7 @@
           <a:p>
             <a:fld id="{ADF0FE8D-29FE-47E2-BBB2-E7BA162F2437}" type="datetimeFigureOut">
               <a:rPr lang="fi-FI" smtClean="0"/>
-              <a:t>21.11.2013</a:t>
+              <a:t>22.11.2013</a:t>
             </a:fld>
             <a:endParaRPr lang="fi-FI" dirty="0"/>
           </a:p>
@@ -5586,7 +5863,7 @@
           <a:p>
             <a:fld id="{ADF0FE8D-29FE-47E2-BBB2-E7BA162F2437}" type="datetimeFigureOut">
               <a:rPr lang="fi-FI" smtClean="0"/>
-              <a:t>21.11.2013</a:t>
+              <a:t>22.11.2013</a:t>
             </a:fld>
             <a:endParaRPr lang="fi-FI" dirty="0"/>
           </a:p>
@@ -5874,7 +6151,7 @@
           <a:p>
             <a:fld id="{ADF0FE8D-29FE-47E2-BBB2-E7BA162F2437}" type="datetimeFigureOut">
               <a:rPr lang="fi-FI" smtClean="0"/>
-              <a:t>21.11.2013</a:t>
+              <a:t>22.11.2013</a:t>
             </a:fld>
             <a:endParaRPr lang="fi-FI" dirty="0"/>
           </a:p>
@@ -6296,7 +6573,7 @@
           <a:p>
             <a:fld id="{ADF0FE8D-29FE-47E2-BBB2-E7BA162F2437}" type="datetimeFigureOut">
               <a:rPr lang="fi-FI" smtClean="0"/>
-              <a:t>21.11.2013</a:t>
+              <a:t>22.11.2013</a:t>
             </a:fld>
             <a:endParaRPr lang="fi-FI" dirty="0"/>
           </a:p>
@@ -6414,7 +6691,7 @@
           <a:p>
             <a:fld id="{ADF0FE8D-29FE-47E2-BBB2-E7BA162F2437}" type="datetimeFigureOut">
               <a:rPr lang="fi-FI" smtClean="0"/>
-              <a:t>21.11.2013</a:t>
+              <a:t>22.11.2013</a:t>
             </a:fld>
             <a:endParaRPr lang="fi-FI" dirty="0"/>
           </a:p>
@@ -6509,7 +6786,7 @@
           <a:p>
             <a:fld id="{ADF0FE8D-29FE-47E2-BBB2-E7BA162F2437}" type="datetimeFigureOut">
               <a:rPr lang="fi-FI" smtClean="0"/>
-              <a:t>21.11.2013</a:t>
+              <a:t>22.11.2013</a:t>
             </a:fld>
             <a:endParaRPr lang="fi-FI" dirty="0"/>
           </a:p>
@@ -6786,7 +7063,7 @@
           <a:p>
             <a:fld id="{ADF0FE8D-29FE-47E2-BBB2-E7BA162F2437}" type="datetimeFigureOut">
               <a:rPr lang="fi-FI" smtClean="0"/>
-              <a:t>21.11.2013</a:t>
+              <a:t>22.11.2013</a:t>
             </a:fld>
             <a:endParaRPr lang="fi-FI" dirty="0"/>
           </a:p>
@@ -7039,7 +7316,7 @@
           <a:p>
             <a:fld id="{ADF0FE8D-29FE-47E2-BBB2-E7BA162F2437}" type="datetimeFigureOut">
               <a:rPr lang="fi-FI" smtClean="0"/>
-              <a:t>21.11.2013</a:t>
+              <a:t>22.11.2013</a:t>
             </a:fld>
             <a:endParaRPr lang="fi-FI" dirty="0"/>
           </a:p>
@@ -7252,7 +7529,7 @@
           <a:p>
             <a:fld id="{ADF0FE8D-29FE-47E2-BBB2-E7BA162F2437}" type="datetimeFigureOut">
               <a:rPr lang="fi-FI" smtClean="0"/>
-              <a:t>21.11.2013</a:t>
+              <a:t>22.11.2013</a:t>
             </a:fld>
             <a:endParaRPr lang="fi-FI" dirty="0"/>
           </a:p>
@@ -8176,15 +8453,7 @@
           <a:p>
             <a:r>
               <a:rPr lang="en-US" dirty="0" smtClean="0"/>
-              <a:t>Very vague concept, can basically be anything from </a:t>
-            </a:r>
-            <a:r>
-              <a:rPr lang="en-US" dirty="0" smtClean="0"/>
-              <a:t>requirements </a:t>
-            </a:r>
-            <a:r>
-              <a:rPr lang="en-US" dirty="0" smtClean="0"/>
-              <a:t>to tasks to sort of memos</a:t>
+              <a:t>Very vague concept, can basically be anything from requirements to tasks to sort of memos</a:t>
             </a:r>
           </a:p>
           <a:p>
@@ -8303,11 +8572,7 @@
             </a:r>
             <a:r>
               <a:rPr lang="en-US" dirty="0" smtClean="0"/>
-              <a:t> be used (depending on the project</a:t>
-            </a:r>
-            <a:r>
-              <a:rPr lang="en-US" dirty="0" smtClean="0"/>
-              <a:t>)</a:t>
+              <a:t> be used (depending on the project)</a:t>
             </a:r>
           </a:p>
           <a:p>
@@ -8316,16 +8581,11 @@
               <a:rPr lang="en-US" dirty="0" smtClean="0"/>
               <a:t>Important thing here is to choose the categories based on the need of the project</a:t>
             </a:r>
-            <a:endParaRPr lang="en-US" dirty="0" smtClean="0"/>
-          </a:p>
-          <a:p>
-            <a:r>
-              <a:rPr lang="en-US" dirty="0" smtClean="0"/>
-              <a:t>As said Issues tool is very plain which leads to a little more manual work (as of now, there really is no way of going around this</a:t>
-            </a:r>
-            <a:r>
-              <a:rPr lang="en-US" dirty="0" smtClean="0"/>
-              <a:t>)</a:t>
+          </a:p>
+          <a:p>
+            <a:r>
+              <a:rPr lang="en-US" dirty="0" smtClean="0"/>
+              <a:t>As said Issues tool is very plain which leads to a little more manual work (as of now, there really is no way of going around this)</a:t>
             </a:r>
           </a:p>
           <a:p>
@@ -8625,13 +8885,8 @@
             <a:pPr lvl="1"/>
             <a:r>
               <a:rPr lang="en-US" dirty="0" smtClean="0"/>
-              <a:t>These depict the category they belong </a:t>
-            </a:r>
-            <a:r>
-              <a:rPr lang="en-US" dirty="0" smtClean="0"/>
-              <a:t>to (helps making them standout in combination with the color coding)</a:t>
-            </a:r>
-            <a:endParaRPr lang="en-US" dirty="0" smtClean="0"/>
+              <a:t>These depict the category they belong to (helps making them standout in combination with the color coding)</a:t>
+            </a:r>
           </a:p>
           <a:p>
             <a:pPr lvl="1"/>
@@ -8644,19 +8899,7 @@
             <a:pPr lvl="1"/>
             <a:r>
               <a:rPr lang="en-US" dirty="0" smtClean="0"/>
-              <a:t>Choose wisely! </a:t>
-            </a:r>
-            <a:r>
-              <a:rPr lang="en-US" dirty="0" smtClean="0"/>
-              <a:t>It’s a </a:t>
-            </a:r>
-            <a:r>
-              <a:rPr lang="en-US" dirty="0" smtClean="0"/>
-              <a:t>pain in the ass to change that later (same goes to the color scheme</a:t>
-            </a:r>
-            <a:r>
-              <a:rPr lang="en-US" dirty="0" smtClean="0"/>
-              <a:t>), although of course possible</a:t>
+              <a:t>Choose wisely! It’s a pain in the ass to change that later (same goes to the color scheme), although of course possible</a:t>
             </a:r>
             <a:endParaRPr lang="en-US" dirty="0"/>
           </a:p>
@@ -8716,23 +8959,7 @@
           <a:p>
             <a:r>
               <a:rPr lang="en-US" dirty="0" smtClean="0"/>
-              <a:t>Issues </a:t>
-            </a:r>
-            <a:r>
-              <a:rPr lang="en-US" dirty="0" smtClean="0"/>
-              <a:t>vs. </a:t>
-            </a:r>
-            <a:r>
-              <a:rPr lang="en-US" dirty="0" smtClean="0"/>
-              <a:t>Tasks </a:t>
-            </a:r>
-            <a:r>
-              <a:rPr lang="en-US" dirty="0" smtClean="0"/>
-              <a:t>vs. </a:t>
-            </a:r>
-            <a:r>
-              <a:rPr lang="en-US" dirty="0" smtClean="0"/>
-              <a:t>Requirements</a:t>
+              <a:t>Issues vs. Tasks vs. Requirements</a:t>
             </a:r>
             <a:endParaRPr lang="en-US" dirty="0"/>
           </a:p>
@@ -8861,33 +9088,13 @@
           <a:p>
             <a:r>
               <a:rPr lang="en-US" dirty="0" smtClean="0"/>
-              <a:t>There can be situations when a requirement or a task </a:t>
-            </a:r>
-            <a:r>
-              <a:rPr lang="en-US" dirty="0" smtClean="0"/>
-              <a:t>should </a:t>
-            </a:r>
-            <a:r>
-              <a:rPr lang="en-US" dirty="0" smtClean="0"/>
-              <a:t>or must be split into smaller chunks</a:t>
-            </a:r>
-          </a:p>
-          <a:p>
-            <a:r>
-              <a:rPr lang="en-US" dirty="0" smtClean="0"/>
-              <a:t>This brings some hierarchical problems to the table since Issues </a:t>
-            </a:r>
-            <a:r>
-              <a:rPr lang="en-US" dirty="0" smtClean="0"/>
-              <a:t>-tool </a:t>
-            </a:r>
-            <a:r>
-              <a:rPr lang="en-US" dirty="0" smtClean="0"/>
-              <a:t>doesn’t have this kind of built-in hierarchy handling, thus it must </a:t>
-            </a:r>
-            <a:r>
-              <a:rPr lang="en-US" dirty="0" smtClean="0"/>
-              <a:t>achieved manually</a:t>
+              <a:t>There can be situations when a requirement or a task should or must be split into smaller chunks</a:t>
+            </a:r>
+          </a:p>
+          <a:p>
+            <a:r>
+              <a:rPr lang="en-US" dirty="0" smtClean="0"/>
+              <a:t>This brings some hierarchical problems to the table since Issues -tool doesn’t have this kind of built-in hierarchy handling, thus it must achieved manually</a:t>
             </a:r>
             <a:endParaRPr lang="en-US" dirty="0"/>
           </a:p>
@@ -9137,15 +9344,7 @@
             <a:pPr lvl="1"/>
             <a:r>
               <a:rPr lang="en-US" dirty="0" smtClean="0"/>
-              <a:t>The next slide </a:t>
-            </a:r>
-            <a:r>
-              <a:rPr lang="en-US" dirty="0" smtClean="0"/>
-              <a:t>shows few </a:t>
-            </a:r>
-            <a:r>
-              <a:rPr lang="en-US" dirty="0" smtClean="0"/>
-              <a:t>possible hierarchical cases that can exist in the limits of this guideline</a:t>
+              <a:t>The next slide shows few possible hierarchical cases that can exist in the limits of this guideline</a:t>
             </a:r>
           </a:p>
         </p:txBody>
@@ -9220,7 +9419,7 @@
             <p:ph idx="1"/>
             <p:extLst>
               <p:ext uri="{D42A27DB-BD31-4B8C-83A1-F6EECF244321}">
-                <p14:modId xmlns:p14="http://schemas.microsoft.com/office/powerpoint/2010/main" val="1821153414"/>
+                <p14:modId xmlns:p14="http://schemas.microsoft.com/office/powerpoint/2010/main" val="4116598790"/>
               </p:ext>
             </p:extLst>
           </p:nvPr>
@@ -9329,15 +9528,7 @@
             <a:pPr lvl="1"/>
             <a:r>
               <a:rPr lang="en-US" dirty="0" smtClean="0"/>
-              <a:t>With </a:t>
-            </a:r>
-            <a:r>
-              <a:rPr lang="en-US" dirty="0" smtClean="0"/>
-              <a:t>labels, references </a:t>
-            </a:r>
-            <a:r>
-              <a:rPr lang="en-US" dirty="0" smtClean="0"/>
-              <a:t>and naming conventions</a:t>
+              <a:t>With labels, references and naming conventions</a:t>
             </a:r>
           </a:p>
           <a:p>
@@ -9484,43 +9675,14 @@
             </a:r>
             <a:r>
               <a:rPr lang="en-US" dirty="0" smtClean="0"/>
-              <a:t> parent or child </a:t>
-            </a:r>
-            <a:r>
-              <a:rPr lang="en-US" dirty="0" smtClean="0"/>
-              <a:t>issue (preferably both)</a:t>
-            </a:r>
-            <a:endParaRPr lang="en-US" dirty="0" smtClean="0"/>
+              <a:t> parent or child issue (preferably both)</a:t>
+            </a:r>
           </a:p>
           <a:p>
             <a:pPr lvl="2"/>
             <a:r>
               <a:rPr lang="en-US" dirty="0" smtClean="0"/>
-              <a:t>So a requirement can </a:t>
-            </a:r>
-            <a:r>
-              <a:rPr lang="en-US" dirty="0" smtClean="0"/>
-              <a:t>refer </a:t>
-            </a:r>
-            <a:r>
-              <a:rPr lang="en-US" dirty="0" smtClean="0"/>
-              <a:t>to sub requirements or main tasks (if there’s no sub requirement between them) </a:t>
-            </a:r>
-            <a:r>
-              <a:rPr lang="en-US" dirty="0" smtClean="0"/>
-              <a:t>and a </a:t>
-            </a:r>
-            <a:r>
-              <a:rPr lang="en-US" dirty="0" smtClean="0"/>
-              <a:t>sub task can </a:t>
-            </a:r>
-            <a:r>
-              <a:rPr lang="en-US" dirty="0" smtClean="0"/>
-              <a:t>refer </a:t>
-            </a:r>
-            <a:r>
-              <a:rPr lang="en-US" dirty="0" smtClean="0"/>
-              <a:t>to main task (sub task cannot exist without a main task)</a:t>
+              <a:t>So a requirement can refer to sub requirements or main tasks (if there’s no sub requirement between them) and a sub task can refer to main task (sub task cannot exist without a main task)</a:t>
             </a:r>
           </a:p>
           <a:p>
@@ -9535,15 +9697,7 @@
             </a:r>
             <a:r>
               <a:rPr lang="en-US" dirty="0" smtClean="0"/>
-              <a:t> issues refer </a:t>
-            </a:r>
-            <a:r>
-              <a:rPr lang="en-US" dirty="0" smtClean="0"/>
-              <a:t>to the </a:t>
-            </a:r>
-            <a:r>
-              <a:rPr lang="en-US" dirty="0" smtClean="0"/>
-              <a:t>parent </a:t>
+              <a:t> issues refer to the parent </a:t>
             </a:r>
             <a:r>
               <a:rPr lang="en-US" dirty="0"/>
@@ -9748,11 +9902,7 @@
             </a:r>
             <a:r>
               <a:rPr lang="en-US" dirty="0" smtClean="0"/>
-              <a:t>XXX-100-1 or </a:t>
-            </a:r>
-            <a:r>
-              <a:rPr lang="en-US" dirty="0" smtClean="0"/>
-              <a:t>XXX-100.1</a:t>
+              <a:t>XXX-100-1 or XXX-100.1</a:t>
             </a:r>
             <a:endParaRPr lang="fi-FI" dirty="0" smtClean="0"/>
           </a:p>
@@ -10233,19 +10383,7 @@
             <a:pPr lvl="1"/>
             <a:r>
               <a:rPr lang="en-US" dirty="0" smtClean="0"/>
-              <a:t>For iteration tracking (to implement Sprints or </a:t>
-            </a:r>
-            <a:r>
-              <a:rPr lang="en-US" dirty="0" smtClean="0"/>
-              <a:t>other</a:t>
-            </a:r>
-            <a:r>
-              <a:rPr lang="en-US" dirty="0" smtClean="0"/>
-              <a:t> </a:t>
-            </a:r>
-            <a:r>
-              <a:rPr lang="en-US" dirty="0" smtClean="0"/>
-              <a:t>iterations)</a:t>
+              <a:t>For iteration tracking (to implement Sprints or other iterations)</a:t>
             </a:r>
           </a:p>
           <a:p>
@@ -10562,15 +10700,7 @@
             <a:pPr lvl="1"/>
             <a:r>
               <a:rPr lang="en-US" dirty="0" smtClean="0"/>
-              <a:t>…or selecting the issue from the list </a:t>
-            </a:r>
-            <a:r>
-              <a:rPr lang="en-US" dirty="0" smtClean="0"/>
-              <a:t>view and </a:t>
-            </a:r>
-            <a:r>
-              <a:rPr lang="en-US" dirty="0" smtClean="0"/>
-              <a:t>using the drop down options in the top of the list</a:t>
+              <a:t>…or selecting the issue from the list view and using the drop down options in the top of the list</a:t>
             </a:r>
           </a:p>
           <a:p>
@@ -10729,15 +10859,7 @@
           <a:p>
             <a:r>
               <a:rPr lang="en-US" dirty="0" smtClean="0"/>
-              <a:t>Developer X finds out </a:t>
-            </a:r>
-            <a:r>
-              <a:rPr lang="en-US" dirty="0" smtClean="0"/>
-              <a:t>a blocker </a:t>
-            </a:r>
-            <a:r>
-              <a:rPr lang="en-US" dirty="0" smtClean="0"/>
-              <a:t>problem with the task</a:t>
+              <a:t>Developer X finds out a blocker problem with the task</a:t>
             </a:r>
           </a:p>
           <a:p>
@@ -10828,15 +10950,7 @@
           <a:p>
             <a:r>
               <a:rPr lang="en-US" dirty="0" smtClean="0"/>
-              <a:t>The task is </a:t>
-            </a:r>
-            <a:r>
-              <a:rPr lang="en-US" dirty="0" smtClean="0"/>
-              <a:t>discussed </a:t>
-            </a:r>
-            <a:r>
-              <a:rPr lang="en-US" dirty="0" smtClean="0"/>
-              <a:t>in the comments and more widely in the f2f meeting</a:t>
+              <a:t>The task is discussed in the comments and more widely in the f2f meeting</a:t>
             </a:r>
           </a:p>
           <a:p>
@@ -10884,15 +10998,7 @@
             <a:pPr lvl="1"/>
             <a:r>
               <a:rPr lang="en-US" dirty="0" smtClean="0"/>
-              <a:t>References the issue in comments (and if </a:t>
-            </a:r>
-            <a:r>
-              <a:rPr lang="en-US" dirty="0" smtClean="0"/>
-              <a:t>tester is assigned, </a:t>
-            </a:r>
-            <a:r>
-              <a:rPr lang="en-US" dirty="0" smtClean="0"/>
-              <a:t>mentions him)</a:t>
+              <a:t>References the issue in comments (and if tester is assigned, mentions him)</a:t>
             </a:r>
           </a:p>
           <a:p>
@@ -10905,11 +11011,7 @@
             <a:pPr lvl="1"/>
             <a:r>
               <a:rPr lang="en-US" dirty="0" smtClean="0"/>
-              <a:t>Status is </a:t>
-            </a:r>
-            <a:r>
-              <a:rPr lang="en-US" dirty="0" smtClean="0"/>
-              <a:t>changed</a:t>
+              <a:t>Status is changed</a:t>
             </a:r>
           </a:p>
           <a:p>
@@ -10924,7 +11026,6 @@
               <a:rPr lang="en-US" dirty="0" smtClean="0"/>
               <a:t>Status is changed</a:t>
             </a:r>
-            <a:endParaRPr lang="en-US" dirty="0" smtClean="0"/>
           </a:p>
           <a:p>
             <a:r>
@@ -11053,15 +11154,7 @@
             <a:pPr lvl="1"/>
             <a:r>
               <a:rPr lang="en-US" dirty="0" smtClean="0"/>
-              <a:t>3: </a:t>
-            </a:r>
-            <a:r>
-              <a:rPr lang="en-US" dirty="0" smtClean="0"/>
-              <a:t>Label </a:t>
-            </a:r>
-            <a:r>
-              <a:rPr lang="en-US" dirty="0" smtClean="0"/>
-              <a:t>filter, multiple selections allowed</a:t>
+              <a:t>3: Label filter, multiple selections allowed</a:t>
             </a:r>
           </a:p>
           <a:p>
@@ -11082,13 +11175,8 @@
             </a:r>
             <a:r>
               <a:rPr lang="en-US" dirty="0" smtClean="0"/>
-              <a:t>! So put those bookmarks of yours into </a:t>
-            </a:r>
-            <a:r>
-              <a:rPr lang="en-US" dirty="0" smtClean="0"/>
-              <a:t>an use</a:t>
-            </a:r>
-            <a:endParaRPr lang="en-US" dirty="0" smtClean="0"/>
+              <a:t>! So put those bookmarks of yours into an use</a:t>
+            </a:r>
           </a:p>
           <a:p>
             <a:r>
@@ -11287,15 +11375,7 @@
             <a:pPr lvl="1"/>
             <a:r>
               <a:rPr lang="en-US" dirty="0" smtClean="0"/>
-              <a:t>Every task assigned to me which </a:t>
-            </a:r>
-            <a:r>
-              <a:rPr lang="en-US" dirty="0" smtClean="0"/>
-              <a:t>is marked </a:t>
-            </a:r>
-            <a:r>
-              <a:rPr lang="en-US" dirty="0" smtClean="0"/>
-              <a:t>as required</a:t>
+              <a:t>Every task assigned to me which is marked as required</a:t>
             </a:r>
           </a:p>
           <a:p>
@@ -11413,40 +11493,20 @@
           <a:p>
             <a:r>
               <a:rPr lang="en-US" dirty="0" smtClean="0"/>
-              <a:t>The following are my </a:t>
-            </a:r>
-            <a:r>
-              <a:rPr lang="en-US" dirty="0" smtClean="0"/>
-              <a:t>thoughts for </a:t>
-            </a:r>
-            <a:r>
-              <a:rPr lang="en-US" dirty="0" smtClean="0"/>
-              <a:t>programmers:</a:t>
+              <a:t>The following are my thoughts for programmers:</a:t>
             </a:r>
           </a:p>
           <a:p>
             <a:pPr lvl="1"/>
             <a:r>
               <a:rPr lang="en-US" dirty="0" smtClean="0"/>
-              <a:t>Should be </a:t>
-            </a:r>
-            <a:r>
-              <a:rPr lang="en-US" dirty="0" smtClean="0"/>
-              <a:t>aware of all issues that mention them + the issues that are assigned to them. Priority and milestone information is relevant.</a:t>
-            </a:r>
-          </a:p>
-          <a:p>
-            <a:r>
-              <a:rPr lang="en-US" dirty="0" smtClean="0"/>
-              <a:t>… and </a:t>
-            </a:r>
-            <a:r>
-              <a:rPr lang="en-US" dirty="0" smtClean="0"/>
-              <a:t>PMs</a:t>
-            </a:r>
-            <a:r>
-              <a:rPr lang="en-US" dirty="0" smtClean="0"/>
-              <a:t>:</a:t>
+              <a:t>Should be aware of all issues that mention them + the issues that are assigned to them. Priority and milestone information is relevant.</a:t>
+            </a:r>
+          </a:p>
+          <a:p>
+            <a:r>
+              <a:rPr lang="en-US" dirty="0" smtClean="0"/>
+              <a:t>… and PMs:</a:t>
             </a:r>
           </a:p>
           <a:p>
@@ -11591,15 +11651,7 @@
             <a:pPr lvl="1"/>
             <a:r>
               <a:rPr lang="en-US" dirty="0" smtClean="0"/>
-              <a:t>This can rarely be achieved, so my recommend is that if discussion </a:t>
-            </a:r>
-            <a:r>
-              <a:rPr lang="en-US" dirty="0" smtClean="0"/>
-              <a:t>regarding an </a:t>
-            </a:r>
-            <a:r>
-              <a:rPr lang="en-US" dirty="0" smtClean="0"/>
-              <a:t>issue occurs somewhere else (emails, chats, </a:t>
+              <a:t>This can rarely be achieved, so my recommend is that if discussion regarding an issue occurs somewhere else (emails, chats, </a:t>
             </a:r>
             <a:r>
               <a:rPr lang="en-US" b="1" dirty="0" smtClean="0"/>
@@ -11629,11 +11681,7 @@
             </a:r>
             <a:r>
               <a:rPr lang="en-US" dirty="0" smtClean="0"/>
-              <a:t> always be up to </a:t>
-            </a:r>
-            <a:r>
-              <a:rPr lang="en-US" dirty="0" smtClean="0"/>
-              <a:t>date. This is imperative.</a:t>
+              <a:t> always be up to date. This is imperative.</a:t>
             </a:r>
             <a:endParaRPr lang="en-US" dirty="0"/>
           </a:p>
@@ -11747,23 +11795,7 @@
             </a:r>
             <a:r>
               <a:rPr lang="en-US" dirty="0" smtClean="0"/>
-              <a:t>. </a:t>
-            </a:r>
-            <a:r>
-              <a:rPr lang="en-US" dirty="0" smtClean="0"/>
-              <a:t>However, </a:t>
-            </a:r>
-            <a:r>
-              <a:rPr lang="en-US" dirty="0" smtClean="0"/>
-              <a:t>if an issue is </a:t>
-            </a:r>
-            <a:r>
-              <a:rPr lang="en-US" dirty="0" smtClean="0"/>
-              <a:t>referenced, the </a:t>
-            </a:r>
-            <a:r>
-              <a:rPr lang="en-US" dirty="0" smtClean="0"/>
-              <a:t>task lists state will be visible in the reference comment.</a:t>
+              <a:t>. However, if an issue is referenced, the task lists state will be visible in the reference comment.</a:t>
             </a:r>
             <a:endParaRPr lang="fi-FI" dirty="0"/>
           </a:p>
@@ -11807,11 +11839,7 @@
             <a:pPr lvl="0"/>
             <a:r>
               <a:rPr lang="en-US" dirty="0" smtClean="0"/>
-              <a:t>Like keeping description up to date, it is</a:t>
-            </a:r>
-            <a:r>
-              <a:rPr lang="en-US" dirty="0" smtClean="0"/>
-              <a:t> </a:t>
+              <a:t>Like keeping description up to date, it is </a:t>
             </a:r>
             <a:r>
               <a:rPr lang="en-US" dirty="0"/>
@@ -12006,15 +12034,7 @@
           <a:p>
             <a:r>
               <a:rPr lang="en-US" dirty="0" smtClean="0"/>
-              <a:t>My suggestion is that the same person who does the implementation is not authorized to close the issue (thus someone else – like </a:t>
-            </a:r>
-            <a:r>
-              <a:rPr lang="en-US" dirty="0" smtClean="0"/>
-              <a:t>PM – </a:t>
-            </a:r>
-            <a:r>
-              <a:rPr lang="en-US" dirty="0" smtClean="0"/>
-              <a:t>must do it)</a:t>
+              <a:t>My suggestion is that the same person who does the implementation is not authorized to close the issue (thus someone else – like PM – must do it)</a:t>
             </a:r>
           </a:p>
           <a:p>
@@ -12033,23 +12053,7 @@
             <a:pPr lvl="1"/>
             <a:r>
               <a:rPr lang="en-US" dirty="0" smtClean="0"/>
-              <a:t>IF we are precise, </a:t>
-            </a:r>
-            <a:r>
-              <a:rPr lang="en-US" dirty="0" smtClean="0"/>
-              <a:t>this </a:t>
-            </a:r>
-            <a:r>
-              <a:rPr lang="en-US" dirty="0" smtClean="0"/>
-              <a:t>doesn’t belong to the RM, BUT generally it is a good idea, and it enhances the visibility (other developers or </a:t>
-            </a:r>
-            <a:r>
-              <a:rPr lang="en-US" dirty="0" smtClean="0"/>
-              <a:t>PMs </a:t>
-            </a:r>
-            <a:r>
-              <a:rPr lang="en-US" dirty="0" smtClean="0"/>
-              <a:t>are ’forced’ to see what you have done)</a:t>
+              <a:t>IF we are precise, this doesn’t belong to the RM, BUT generally it is a good idea, and it enhances the visibility (other developers or PMs are ’forced’ to see what you have done)</a:t>
             </a:r>
           </a:p>
         </p:txBody>
@@ -12156,15 +12160,7 @@
             </a:r>
             <a:r>
               <a:rPr lang="en-US" dirty="0" smtClean="0"/>
-              <a:t> for this, but since there were no </a:t>
-            </a:r>
-            <a:r>
-              <a:rPr lang="en-US" dirty="0" smtClean="0"/>
-              <a:t>guidelines or instructions, </a:t>
-            </a:r>
-            <a:r>
-              <a:rPr lang="en-US" dirty="0" smtClean="0"/>
-              <a:t>the results remained shallow</a:t>
+              <a:t> for this, but since there were no guidelines or instructions, the results remained shallow</a:t>
             </a:r>
           </a:p>
           <a:p>
@@ -12287,26 +12283,22 @@
             <a:pPr lvl="1"/>
             <a:r>
               <a:rPr lang="en-US" dirty="0" smtClean="0"/>
-              <a:t>They could also have the priority label but it is more efficient to give it straight to </a:t>
-            </a:r>
-            <a:r>
-              <a:rPr lang="en-US" dirty="0" smtClean="0"/>
-              <a:t>tasks since they are the ones that people mainly work with</a:t>
+              <a:t>They could also have the priority label but it is more efficient to give it straight to tasks since they are the ones that people mainly work with</a:t>
             </a:r>
           </a:p>
           <a:p>
             <a:pPr lvl="1"/>
             <a:r>
               <a:rPr lang="en-US" dirty="0" smtClean="0"/>
-              <a:t>So </a:t>
-            </a:r>
-            <a:r>
-              <a:rPr lang="en-US" dirty="0" smtClean="0"/>
-              <a:t>if you want to emphasize certain requirement, give the tasks related to it </a:t>
-            </a:r>
-            <a:r>
-              <a:rPr lang="en-US" dirty="0" smtClean="0"/>
-              <a:t>higher priority. Of course priority label can be used as a remainder in a requirement issue</a:t>
+              <a:t>So if you want to emphasize certain requirement, give the tasks related to it higher priority. Of course priority label can be used as a </a:t>
+            </a:r>
+            <a:r>
+              <a:rPr lang="en-US" dirty="0" smtClean="0"/>
+              <a:t>reminder </a:t>
+            </a:r>
+            <a:r>
+              <a:rPr lang="en-US" dirty="0" smtClean="0"/>
+              <a:t>in a requirement issue</a:t>
             </a:r>
             <a:endParaRPr lang="en-US" dirty="0"/>
           </a:p>
@@ -12384,7 +12376,9 @@
         </p:nvSpPr>
         <p:spPr/>
         <p:txBody>
-          <a:bodyPr/>
+          <a:bodyPr>
+            <a:normAutofit lnSpcReduction="10000"/>
+          </a:bodyPr>
           <a:lstStyle/>
           <a:p>
             <a:r>
@@ -12402,7 +12396,15 @@
             <a:pPr lvl="1"/>
             <a:r>
               <a:rPr lang="en-US" dirty="0" smtClean="0"/>
-              <a:t>Locate the main task (feature) to which the bug relates to (I discuss this more on the next slide!)</a:t>
+              <a:t>Locate the main task </a:t>
+            </a:r>
+            <a:r>
+              <a:rPr lang="en-US" dirty="0" smtClean="0"/>
+              <a:t>(e.g. feature</a:t>
+            </a:r>
+            <a:r>
+              <a:rPr lang="en-US" dirty="0" smtClean="0"/>
+              <a:t>) to which the bug relates to (I discuss this more on the next slide!)</a:t>
             </a:r>
           </a:p>
           <a:p>
@@ -12520,23 +12522,7 @@
             <a:pPr lvl="1"/>
             <a:r>
               <a:rPr lang="en-US" dirty="0" smtClean="0"/>
-              <a:t>It’s also a good practice that if the one who creates the issue doesn’t assign it to himself, the assignment is left pending the </a:t>
-            </a:r>
-            <a:r>
-              <a:rPr lang="en-US" dirty="0" smtClean="0"/>
-              <a:t>PMs </a:t>
-            </a:r>
-            <a:r>
-              <a:rPr lang="en-US" dirty="0" smtClean="0"/>
-              <a:t>decision (the creator should rather mention a </a:t>
-            </a:r>
-            <a:r>
-              <a:rPr lang="en-US" dirty="0" smtClean="0"/>
-              <a:t>PM as </a:t>
-            </a:r>
-            <a:r>
-              <a:rPr lang="en-US" dirty="0" smtClean="0"/>
-              <a:t>to notify him about the bug)</a:t>
+              <a:t>It’s also a good practice that if the one who creates the issue doesn’t assign it to himself, the assignment is left pending the PMs decision (the creator should rather mention a PM as to notify him about the bug)</a:t>
             </a:r>
             <a:endParaRPr lang="en-US" dirty="0"/>
           </a:p>
@@ -12647,7 +12633,15 @@
           <a:p>
             <a:r>
               <a:rPr lang="en-US" dirty="0" smtClean="0"/>
-              <a:t>Bug issues can also be given a own prefix to better distinct them. Nevertheless, they should still refer to an issue</a:t>
+              <a:t>Bug issues can also be given a own </a:t>
+            </a:r>
+            <a:r>
+              <a:rPr lang="en-US" dirty="0" smtClean="0"/>
+              <a:t>prefix in the name </a:t>
+            </a:r>
+            <a:r>
+              <a:rPr lang="en-US" dirty="0" smtClean="0"/>
+              <a:t>to better distinct them. Nevertheless, they should still refer to an issue</a:t>
             </a:r>
             <a:endParaRPr lang="en-US" dirty="0"/>
           </a:p>
@@ -12987,21 +12981,8 @@
             <a:pPr lvl="1"/>
             <a:r>
               <a:rPr lang="en-US" dirty="0" smtClean="0"/>
-              <a:t>My own experience is that for every task many, many small details exist, it’s the matter of has anybody considered them that concerns us. Everything cannot be specified without some waste of time, but on the other hand, too vague specs will also waste time (because programmer either needs to figure </a:t>
-            </a:r>
-            <a:r>
-              <a:rPr lang="en-US" dirty="0" smtClean="0"/>
-              <a:t>out the missing stuff </a:t>
-            </a:r>
-            <a:r>
-              <a:rPr lang="en-US" dirty="0" smtClean="0"/>
-              <a:t>by himself or consult somebody). Of course in some cases programmer is given free hands to implement the feature within some </a:t>
-            </a:r>
-            <a:r>
-              <a:rPr lang="en-US" dirty="0" smtClean="0"/>
-              <a:t>borderlines. Vague specs may be accepted in such cases.</a:t>
-            </a:r>
-            <a:endParaRPr lang="en-US" dirty="0" smtClean="0"/>
+              <a:t>My own experience is that for every task many, many small details exist, it’s the matter of has anybody considered them that concerns us. Everything cannot be specified without some waste of time, but on the other hand, too vague specs will also waste time (because programmer either needs to figure out the missing stuff by himself or consult somebody). Of course in some cases programmer is given free hands to implement the feature within some borderlines. Vague specs may be accepted in such cases.</a:t>
+            </a:r>
           </a:p>
           <a:p>
             <a:r>
@@ -13139,26 +13120,14 @@
             </a:r>
             <a:r>
               <a:rPr lang="en-US" dirty="0" smtClean="0"/>
-              <a:t>ecide </a:t>
-            </a:r>
-            <a:r>
-              <a:rPr lang="en-US" dirty="0" smtClean="0"/>
-              <a:t>what markup notation you use in your wiki and stick with it – on all pages!</a:t>
+              <a:t>ecide what markup notation you use in your wiki and stick with it – on all pages!</a:t>
             </a:r>
           </a:p>
           <a:p>
             <a:pPr lvl="1"/>
             <a:r>
               <a:rPr lang="en-US" dirty="0" smtClean="0"/>
-              <a:t>A collective page consisting of every preplanned </a:t>
-            </a:r>
-            <a:r>
-              <a:rPr lang="en-US" dirty="0" smtClean="0"/>
-              <a:t>requirement, </a:t>
-            </a:r>
-            <a:r>
-              <a:rPr lang="en-US" dirty="0" smtClean="0"/>
-              <a:t>should be established. The form of this page is free, but it should list shortly every requirement. </a:t>
+              <a:t>A collective page consisting of every preplanned requirement, should be established. The form of this page is free, but it should list shortly every requirement. </a:t>
             </a:r>
           </a:p>
           <a:p>
@@ -13462,15 +13431,7 @@
           <a:p>
             <a:r>
               <a:rPr lang="en-US" dirty="0" smtClean="0"/>
-              <a:t>My goal is to create a guideline how to handle the </a:t>
-            </a:r>
-            <a:r>
-              <a:rPr lang="en-US" dirty="0" smtClean="0"/>
-              <a:t>requirement managing </a:t>
-            </a:r>
-            <a:r>
-              <a:rPr lang="en-US" dirty="0" smtClean="0"/>
-              <a:t>using purely </a:t>
+              <a:t>My goal is to create a guideline how to handle the requirement managing using purely </a:t>
             </a:r>
             <a:r>
               <a:rPr lang="en-US" dirty="0" err="1" smtClean="0"/>
@@ -13865,21 +13826,8 @@
           <a:p>
             <a:r>
               <a:rPr lang="en-US" dirty="0" smtClean="0"/>
-              <a:t>Other </a:t>
-            </a:r>
-            <a:r>
-              <a:rPr lang="en-US" dirty="0" smtClean="0"/>
-              <a:t>items are </a:t>
-            </a:r>
-            <a:r>
-              <a:rPr lang="en-US" dirty="0" smtClean="0"/>
-              <a:t>the version control itself (especially the commits &amp; pushes) and the </a:t>
-            </a:r>
-            <a:r>
-              <a:rPr lang="en-US" dirty="0" smtClean="0"/>
-              <a:t>wiki</a:t>
-            </a:r>
-            <a:endParaRPr lang="en-US" dirty="0" smtClean="0"/>
+              <a:t>Other items are the version control itself (especially the commits &amp; pushes) and the wiki</a:t>
+            </a:r>
           </a:p>
           <a:p>
             <a:r>
@@ -13981,15 +13929,7 @@
           <a:p>
             <a:r>
               <a:rPr lang="en-US" dirty="0" smtClean="0"/>
-              <a:t>Somebody with an interest and (at least little) experience to </a:t>
-            </a:r>
-            <a:r>
-              <a:rPr lang="en-US" dirty="0" smtClean="0"/>
-              <a:t>help to </a:t>
-            </a:r>
-            <a:r>
-              <a:rPr lang="en-US" dirty="0" smtClean="0"/>
-              <a:t>take the best out of </a:t>
+              <a:t>Somebody with an interest and (at least little) experience to help to take the best out of </a:t>
             </a:r>
             <a:r>
               <a:rPr lang="en-US" dirty="0" err="1" smtClean="0"/>
@@ -14007,52 +13947,20 @@
             <a:pPr lvl="1"/>
             <a:r>
               <a:rPr lang="en-US" dirty="0" smtClean="0"/>
-              <a:t>A word of an advice: I’m not trying to obstruct the way you work, but rather </a:t>
-            </a:r>
-            <a:r>
-              <a:rPr lang="en-US" dirty="0" smtClean="0"/>
-              <a:t>aim it </a:t>
-            </a:r>
-            <a:r>
-              <a:rPr lang="en-US" dirty="0" smtClean="0"/>
-              <a:t>in a certain direction</a:t>
+              <a:t>A word of an advice: I’m not trying to obstruct the way you work, but rather aim it in a certain direction</a:t>
             </a:r>
           </a:p>
           <a:p>
             <a:pPr lvl="1"/>
             <a:r>
               <a:rPr lang="en-US" dirty="0" smtClean="0"/>
-              <a:t>The guideline is not carved in stone, if </a:t>
-            </a:r>
-            <a:r>
-              <a:rPr lang="en-US" dirty="0" smtClean="0"/>
-              <a:t>necessary, </a:t>
-            </a:r>
-            <a:r>
-              <a:rPr lang="en-US" dirty="0" smtClean="0"/>
-              <a:t>it will be </a:t>
-            </a:r>
-            <a:r>
-              <a:rPr lang="en-US" dirty="0" smtClean="0"/>
-              <a:t>updated iteratively </a:t>
-            </a:r>
-            <a:r>
-              <a:rPr lang="en-US" dirty="0" smtClean="0"/>
-              <a:t>to achieve the best result</a:t>
-            </a:r>
-          </a:p>
-          <a:p>
-            <a:r>
-              <a:rPr lang="en-US" dirty="0" smtClean="0"/>
-              <a:t>The guideline will bring better visibility to the project, enhance the </a:t>
-            </a:r>
-            <a:r>
-              <a:rPr lang="en-US" dirty="0" smtClean="0"/>
-              <a:t>requirements </a:t>
-            </a:r>
-            <a:r>
-              <a:rPr lang="en-US" dirty="0" smtClean="0"/>
-              <a:t>handling and give a sense of a control, which unfortunately in many cases is lacking badly</a:t>
+              <a:t>The guideline is not carved in stone, if necessary, it will be updated iteratively to achieve the best result</a:t>
+            </a:r>
+          </a:p>
+          <a:p>
+            <a:r>
+              <a:rPr lang="en-US" dirty="0" smtClean="0"/>
+              <a:t>The guideline will bring better visibility to the project, enhance the requirements handling and give a sense of a control, which unfortunately in many cases is lacking badly</a:t>
             </a:r>
           </a:p>
         </p:txBody>
@@ -14231,11 +14139,7 @@
           <a:p>
             <a:r>
               <a:rPr lang="en-US" dirty="0" smtClean="0"/>
-              <a:t>Encouragement </a:t>
-            </a:r>
-            <a:r>
-              <a:rPr lang="en-US" dirty="0" smtClean="0"/>
-              <a:t>speech</a:t>
+              <a:t>Encouragement speech</a:t>
             </a:r>
             <a:endParaRPr lang="en-US" dirty="0"/>
           </a:p>
@@ -14289,23 +14193,7 @@
             <a:pPr lvl="1"/>
             <a:r>
               <a:rPr lang="en-US" dirty="0" smtClean="0"/>
-              <a:t>Sometimes this </a:t>
-            </a:r>
-            <a:r>
-              <a:rPr lang="en-US" dirty="0" smtClean="0"/>
-              <a:t>can - </a:t>
-            </a:r>
-            <a:r>
-              <a:rPr lang="en-US" dirty="0" smtClean="0"/>
-              <a:t>and </a:t>
-            </a:r>
-            <a:r>
-              <a:rPr lang="en-US" dirty="0" smtClean="0"/>
-              <a:t>will - </a:t>
-            </a:r>
-            <a:r>
-              <a:rPr lang="en-US" dirty="0" smtClean="0"/>
-              <a:t>lead to individual situations where practices established feel like nonsense to some particular person</a:t>
+              <a:t>Sometimes this can - and will - lead to individual situations where practices established feel like nonsense to some particular person</a:t>
             </a:r>
           </a:p>
           <a:p>
